--- a/Presentation1.pptx
+++ b/Presentation1.pptx
@@ -6,9 +6,12 @@
   </p:sldMasterIdLst>
   <p:sldIdLst>
     <p:sldId id="256" r:id="rId2"/>
+    <p:sldId id="257" r:id="rId3"/>
+    <p:sldId id="258" r:id="rId4"/>
+    <p:sldId id="259" r:id="rId5"/>
   </p:sldIdLst>
   <p:sldSz cx="12192000" cy="6858000"/>
-  <p:notesSz cx="6858000" cy="9144000"/>
+  <p:notesSz cx="7315200" cy="9601200"/>
   <p:defaultTextStyle>
     <a:defPPr>
       <a:defRPr lang="zh-TW"/>
@@ -104,6 +107,11 @@
       </a:defRPr>
     </a:lvl9pPr>
   </p:defaultTextStyle>
+  <p:extLst>
+    <p:ext uri="{EFAFB233-063F-42B5-8137-9DF3F51BA10A}">
+      <p15:sldGuideLst xmlns:p15="http://schemas.microsoft.com/office/powerpoint/2012/main"/>
+    </p:ext>
+  </p:extLst>
 </p:presentation>
 </file>
 
@@ -238,7 +246,7 @@
           <a:p>
             <a:fld id="{D638DB22-397D-48F1-BDCF-E66CBFA46A5C}" type="datetimeFigureOut">
               <a:rPr lang="zh-TW" altLang="en-US" smtClean="0"/>
-              <a:t>2015/11/9</a:t>
+              <a:t>2015/11/10</a:t>
             </a:fld>
             <a:endParaRPr lang="zh-TW" altLang="en-US"/>
           </a:p>
@@ -408,7 +416,7 @@
           <a:p>
             <a:fld id="{D638DB22-397D-48F1-BDCF-E66CBFA46A5C}" type="datetimeFigureOut">
               <a:rPr lang="zh-TW" altLang="en-US" smtClean="0"/>
-              <a:t>2015/11/9</a:t>
+              <a:t>2015/11/10</a:t>
             </a:fld>
             <a:endParaRPr lang="zh-TW" altLang="en-US"/>
           </a:p>
@@ -588,7 +596,7 @@
           <a:p>
             <a:fld id="{D638DB22-397D-48F1-BDCF-E66CBFA46A5C}" type="datetimeFigureOut">
               <a:rPr lang="zh-TW" altLang="en-US" smtClean="0"/>
-              <a:t>2015/11/9</a:t>
+              <a:t>2015/11/10</a:t>
             </a:fld>
             <a:endParaRPr lang="zh-TW" altLang="en-US"/>
           </a:p>
@@ -758,7 +766,7 @@
           <a:p>
             <a:fld id="{D638DB22-397D-48F1-BDCF-E66CBFA46A5C}" type="datetimeFigureOut">
               <a:rPr lang="zh-TW" altLang="en-US" smtClean="0"/>
-              <a:t>2015/11/9</a:t>
+              <a:t>2015/11/10</a:t>
             </a:fld>
             <a:endParaRPr lang="zh-TW" altLang="en-US"/>
           </a:p>
@@ -1004,7 +1012,7 @@
           <a:p>
             <a:fld id="{D638DB22-397D-48F1-BDCF-E66CBFA46A5C}" type="datetimeFigureOut">
               <a:rPr lang="zh-TW" altLang="en-US" smtClean="0"/>
-              <a:t>2015/11/9</a:t>
+              <a:t>2015/11/10</a:t>
             </a:fld>
             <a:endParaRPr lang="zh-TW" altLang="en-US"/>
           </a:p>
@@ -1236,7 +1244,7 @@
           <a:p>
             <a:fld id="{D638DB22-397D-48F1-BDCF-E66CBFA46A5C}" type="datetimeFigureOut">
               <a:rPr lang="zh-TW" altLang="en-US" smtClean="0"/>
-              <a:t>2015/11/9</a:t>
+              <a:t>2015/11/10</a:t>
             </a:fld>
             <a:endParaRPr lang="zh-TW" altLang="en-US"/>
           </a:p>
@@ -1603,7 +1611,7 @@
           <a:p>
             <a:fld id="{D638DB22-397D-48F1-BDCF-E66CBFA46A5C}" type="datetimeFigureOut">
               <a:rPr lang="zh-TW" altLang="en-US" smtClean="0"/>
-              <a:t>2015/11/9</a:t>
+              <a:t>2015/11/10</a:t>
             </a:fld>
             <a:endParaRPr lang="zh-TW" altLang="en-US"/>
           </a:p>
@@ -1721,7 +1729,7 @@
           <a:p>
             <a:fld id="{D638DB22-397D-48F1-BDCF-E66CBFA46A5C}" type="datetimeFigureOut">
               <a:rPr lang="zh-TW" altLang="en-US" smtClean="0"/>
-              <a:t>2015/11/9</a:t>
+              <a:t>2015/11/10</a:t>
             </a:fld>
             <a:endParaRPr lang="zh-TW" altLang="en-US"/>
           </a:p>
@@ -1816,7 +1824,7 @@
           <a:p>
             <a:fld id="{D638DB22-397D-48F1-BDCF-E66CBFA46A5C}" type="datetimeFigureOut">
               <a:rPr lang="zh-TW" altLang="en-US" smtClean="0"/>
-              <a:t>2015/11/9</a:t>
+              <a:t>2015/11/10</a:t>
             </a:fld>
             <a:endParaRPr lang="zh-TW" altLang="en-US"/>
           </a:p>
@@ -2093,7 +2101,7 @@
           <a:p>
             <a:fld id="{D638DB22-397D-48F1-BDCF-E66CBFA46A5C}" type="datetimeFigureOut">
               <a:rPr lang="zh-TW" altLang="en-US" smtClean="0"/>
-              <a:t>2015/11/9</a:t>
+              <a:t>2015/11/10</a:t>
             </a:fld>
             <a:endParaRPr lang="zh-TW" altLang="en-US"/>
           </a:p>
@@ -2346,7 +2354,7 @@
           <a:p>
             <a:fld id="{D638DB22-397D-48F1-BDCF-E66CBFA46A5C}" type="datetimeFigureOut">
               <a:rPr lang="zh-TW" altLang="en-US" smtClean="0"/>
-              <a:t>2015/11/9</a:t>
+              <a:t>2015/11/10</a:t>
             </a:fld>
             <a:endParaRPr lang="zh-TW" altLang="en-US"/>
           </a:p>
@@ -2441,8 +2449,8 @@
         </p:nvSpPr>
         <p:spPr>
           <a:xfrm>
-            <a:off x="838200" y="365125"/>
-            <a:ext cx="10515600" cy="1325563"/>
+            <a:off x="409575" y="365126"/>
+            <a:ext cx="11372850" cy="673100"/>
           </a:xfrm>
           <a:prstGeom prst="rect">
             <a:avLst/>
@@ -2455,10 +2463,10 @@
           <a:lstStyle/>
           <a:p>
             <a:r>
-              <a:rPr lang="en-US" altLang="zh-TW" smtClean="0"/>
+              <a:rPr lang="en-US" altLang="zh-TW" dirty="0" smtClean="0"/>
               <a:t>Click to edit Master title style</a:t>
             </a:r>
-            <a:endParaRPr lang="zh-TW" altLang="en-US"/>
+            <a:endParaRPr lang="zh-TW" altLang="en-US" dirty="0"/>
           </a:p>
         </p:txBody>
       </p:sp>
@@ -2474,8 +2482,8 @@
         </p:nvSpPr>
         <p:spPr>
           <a:xfrm>
-            <a:off x="838200" y="1825625"/>
-            <a:ext cx="10515600" cy="4351338"/>
+            <a:off x="409575" y="1171575"/>
+            <a:ext cx="11372850" cy="5005388"/>
           </a:xfrm>
           <a:prstGeom prst="rect">
             <a:avLst/>
@@ -2489,38 +2497,38 @@
           <a:p>
             <a:pPr lvl="0"/>
             <a:r>
-              <a:rPr lang="en-US" altLang="zh-TW" smtClean="0"/>
+              <a:rPr lang="en-US" altLang="zh-TW" dirty="0" smtClean="0"/>
               <a:t>Click to edit Master text styles</a:t>
             </a:r>
           </a:p>
           <a:p>
             <a:pPr lvl="1"/>
             <a:r>
-              <a:rPr lang="en-US" altLang="zh-TW" smtClean="0"/>
+              <a:rPr lang="en-US" altLang="zh-TW" dirty="0" smtClean="0"/>
               <a:t>Second level</a:t>
             </a:r>
           </a:p>
           <a:p>
             <a:pPr lvl="2"/>
             <a:r>
-              <a:rPr lang="en-US" altLang="zh-TW" smtClean="0"/>
+              <a:rPr lang="en-US" altLang="zh-TW" dirty="0" smtClean="0"/>
               <a:t>Third level</a:t>
             </a:r>
           </a:p>
           <a:p>
             <a:pPr lvl="3"/>
             <a:r>
-              <a:rPr lang="en-US" altLang="zh-TW" smtClean="0"/>
+              <a:rPr lang="en-US" altLang="zh-TW" dirty="0" smtClean="0"/>
               <a:t>Fourth level</a:t>
             </a:r>
           </a:p>
           <a:p>
             <a:pPr lvl="4"/>
             <a:r>
-              <a:rPr lang="en-US" altLang="zh-TW" smtClean="0"/>
+              <a:rPr lang="en-US" altLang="zh-TW" dirty="0" smtClean="0"/>
               <a:t>Fifth level</a:t>
             </a:r>
-            <a:endParaRPr lang="zh-TW" altLang="en-US"/>
+            <a:endParaRPr lang="zh-TW" altLang="en-US" dirty="0"/>
           </a:p>
         </p:txBody>
       </p:sp>
@@ -2559,7 +2567,7 @@
           <a:p>
             <a:fld id="{D638DB22-397D-48F1-BDCF-E66CBFA46A5C}" type="datetimeFigureOut">
               <a:rPr lang="zh-TW" altLang="en-US" smtClean="0"/>
-              <a:t>2015/11/9</a:t>
+              <a:t>2015/11/10</a:t>
             </a:fld>
             <a:endParaRPr lang="zh-TW" altLang="en-US"/>
           </a:p>
@@ -2674,7 +2682,7 @@
           <a:spcPct val="0"/>
         </a:spcBef>
         <a:buNone/>
-        <a:defRPr sz="4400" kern="1200">
+        <a:defRPr sz="3600" kern="1200">
           <a:solidFill>
             <a:schemeClr val="tx1"/>
           </a:solidFill>
@@ -3032,6 +3040,273 @@
 </p:sld>
 </file>
 
+<file path=ppt/slides/slide2.xml><?xml version="1.0" encoding="utf-8"?>
+<p:sld xmlns:a="http://schemas.openxmlformats.org/drawingml/2006/main" xmlns:r="http://schemas.openxmlformats.org/officeDocument/2006/relationships" xmlns:p="http://schemas.openxmlformats.org/presentationml/2006/main">
+  <p:cSld>
+    <p:spTree>
+      <p:nvGrpSpPr>
+        <p:cNvPr id="1" name=""/>
+        <p:cNvGrpSpPr/>
+        <p:nvPr/>
+      </p:nvGrpSpPr>
+      <p:grpSpPr>
+        <a:xfrm>
+          <a:off x="0" y="0"/>
+          <a:ext cx="0" cy="0"/>
+          <a:chOff x="0" y="0"/>
+          <a:chExt cx="0" cy="0"/>
+        </a:xfrm>
+      </p:grpSpPr>
+      <p:sp>
+        <p:nvSpPr>
+          <p:cNvPr id="4" name="Title 3"/>
+          <p:cNvSpPr>
+            <a:spLocks noGrp="1"/>
+          </p:cNvSpPr>
+          <p:nvPr>
+            <p:ph type="title"/>
+          </p:nvPr>
+        </p:nvSpPr>
+        <p:spPr/>
+        <p:txBody>
+          <a:bodyPr>
+            <a:normAutofit/>
+          </a:bodyPr>
+          <a:lstStyle/>
+          <a:p>
+            <a:r>
+              <a:rPr lang="en-US" altLang="zh-TW" dirty="0" smtClean="0"/>
+              <a:t>Supercritical air cooling</a:t>
+            </a:r>
+            <a:endParaRPr lang="zh-TW" altLang="en-US" dirty="0"/>
+          </a:p>
+        </p:txBody>
+      </p:sp>
+      <p:pic>
+        <p:nvPicPr>
+          <p:cNvPr id="8" name="Picture 7"/>
+          <p:cNvPicPr>
+            <a:picLocks noChangeAspect="1"/>
+          </p:cNvPicPr>
+          <p:nvPr/>
+        </p:nvPicPr>
+        <p:blipFill>
+          <a:blip r:embed="rId2"/>
+          <a:stretch>
+            <a:fillRect/>
+          </a:stretch>
+        </p:blipFill>
+        <p:spPr>
+          <a:xfrm>
+            <a:off x="0" y="1195744"/>
+            <a:ext cx="6227199" cy="4682853"/>
+          </a:xfrm>
+          <a:prstGeom prst="rect">
+            <a:avLst/>
+          </a:prstGeom>
+        </p:spPr>
+      </p:pic>
+      <p:pic>
+        <p:nvPicPr>
+          <p:cNvPr id="9" name="Picture 8"/>
+          <p:cNvPicPr>
+            <a:picLocks noChangeAspect="1"/>
+          </p:cNvPicPr>
+          <p:nvPr/>
+        </p:nvPicPr>
+        <p:blipFill>
+          <a:blip r:embed="rId3"/>
+          <a:stretch>
+            <a:fillRect/>
+          </a:stretch>
+        </p:blipFill>
+        <p:spPr>
+          <a:xfrm>
+            <a:off x="5960578" y="1179868"/>
+            <a:ext cx="6231422" cy="4686029"/>
+          </a:xfrm>
+          <a:prstGeom prst="rect">
+            <a:avLst/>
+          </a:prstGeom>
+        </p:spPr>
+      </p:pic>
+    </p:spTree>
+    <p:extLst>
+      <p:ext uri="{BB962C8B-B14F-4D97-AF65-F5344CB8AC3E}">
+        <p14:creationId xmlns:p14="http://schemas.microsoft.com/office/powerpoint/2010/main" val="981701135"/>
+      </p:ext>
+    </p:extLst>
+  </p:cSld>
+  <p:clrMapOvr>
+    <a:masterClrMapping/>
+  </p:clrMapOvr>
+  <p:timing>
+    <p:tnLst>
+      <p:par>
+        <p:cTn id="1" dur="indefinite" restart="never" nodeType="tmRoot"/>
+      </p:par>
+    </p:tnLst>
+  </p:timing>
+</p:sld>
+</file>
+
+<file path=ppt/slides/slide3.xml><?xml version="1.0" encoding="utf-8"?>
+<p:sld xmlns:a="http://schemas.openxmlformats.org/drawingml/2006/main" xmlns:r="http://schemas.openxmlformats.org/officeDocument/2006/relationships" xmlns:p="http://schemas.openxmlformats.org/presentationml/2006/main">
+  <p:cSld>
+    <p:spTree>
+      <p:nvGrpSpPr>
+        <p:cNvPr id="1" name=""/>
+        <p:cNvGrpSpPr/>
+        <p:nvPr/>
+      </p:nvGrpSpPr>
+      <p:grpSpPr>
+        <a:xfrm>
+          <a:off x="0" y="0"/>
+          <a:ext cx="0" cy="0"/>
+          <a:chOff x="0" y="0"/>
+          <a:chExt cx="0" cy="0"/>
+        </a:xfrm>
+      </p:grpSpPr>
+      <p:pic>
+        <p:nvPicPr>
+          <p:cNvPr id="6" name="Picture 5"/>
+          <p:cNvPicPr>
+            <a:picLocks noChangeAspect="1"/>
+          </p:cNvPicPr>
+          <p:nvPr/>
+        </p:nvPicPr>
+        <p:blipFill>
+          <a:blip r:embed="rId2"/>
+          <a:stretch>
+            <a:fillRect/>
+          </a:stretch>
+        </p:blipFill>
+        <p:spPr>
+          <a:xfrm>
+            <a:off x="105721" y="986135"/>
+            <a:ext cx="5943600" cy="4460663"/>
+          </a:xfrm>
+          <a:prstGeom prst="rect">
+            <a:avLst/>
+          </a:prstGeom>
+        </p:spPr>
+      </p:pic>
+      <p:pic>
+        <p:nvPicPr>
+          <p:cNvPr id="7" name="Picture 6"/>
+          <p:cNvPicPr>
+            <a:picLocks noChangeAspect="1"/>
+          </p:cNvPicPr>
+          <p:nvPr/>
+        </p:nvPicPr>
+        <p:blipFill>
+          <a:blip r:embed="rId3"/>
+          <a:stretch>
+            <a:fillRect/>
+          </a:stretch>
+        </p:blipFill>
+        <p:spPr>
+          <a:xfrm>
+            <a:off x="6248400" y="986134"/>
+            <a:ext cx="5943600" cy="4460663"/>
+          </a:xfrm>
+          <a:prstGeom prst="rect">
+            <a:avLst/>
+          </a:prstGeom>
+        </p:spPr>
+      </p:pic>
+      <p:sp>
+        <p:nvSpPr>
+          <p:cNvPr id="8" name="Title 7"/>
+          <p:cNvSpPr>
+            <a:spLocks noGrp="1"/>
+          </p:cNvSpPr>
+          <p:nvPr>
+            <p:ph type="title"/>
+          </p:nvPr>
+        </p:nvSpPr>
+        <p:spPr/>
+        <p:txBody>
+          <a:bodyPr/>
+          <a:lstStyle/>
+          <a:p>
+            <a:r>
+              <a:rPr lang="en-US" altLang="zh-TW" dirty="0" smtClean="0"/>
+              <a:t>Two power plants; both are committed</a:t>
+            </a:r>
+            <a:endParaRPr lang="zh-TW" altLang="en-US" dirty="0"/>
+          </a:p>
+        </p:txBody>
+      </p:sp>
+    </p:spTree>
+    <p:extLst>
+      <p:ext uri="{BB962C8B-B14F-4D97-AF65-F5344CB8AC3E}">
+        <p14:creationId xmlns:p14="http://schemas.microsoft.com/office/powerpoint/2010/main" val="3743150844"/>
+      </p:ext>
+    </p:extLst>
+  </p:cSld>
+  <p:clrMapOvr>
+    <a:masterClrMapping/>
+  </p:clrMapOvr>
+  <p:timing>
+    <p:tnLst>
+      <p:par>
+        <p:cTn id="1" dur="indefinite" restart="never" nodeType="tmRoot"/>
+      </p:par>
+    </p:tnLst>
+  </p:timing>
+</p:sld>
+</file>
+
+<file path=ppt/slides/slide4.xml><?xml version="1.0" encoding="utf-8"?>
+<p:sld xmlns:a="http://schemas.openxmlformats.org/drawingml/2006/main" xmlns:r="http://schemas.openxmlformats.org/officeDocument/2006/relationships" xmlns:p="http://schemas.openxmlformats.org/presentationml/2006/main">
+  <p:cSld>
+    <p:spTree>
+      <p:nvGrpSpPr>
+        <p:cNvPr id="1" name=""/>
+        <p:cNvGrpSpPr/>
+        <p:nvPr/>
+      </p:nvGrpSpPr>
+      <p:grpSpPr>
+        <a:xfrm>
+          <a:off x="0" y="0"/>
+          <a:ext cx="0" cy="0"/>
+          <a:chOff x="0" y="0"/>
+          <a:chExt cx="0" cy="0"/>
+        </a:xfrm>
+      </p:grpSpPr>
+      <p:sp>
+        <p:nvSpPr>
+          <p:cNvPr id="2" name="Title 1"/>
+          <p:cNvSpPr>
+            <a:spLocks noGrp="1"/>
+          </p:cNvSpPr>
+          <p:nvPr>
+            <p:ph type="title"/>
+          </p:nvPr>
+        </p:nvSpPr>
+        <p:spPr/>
+        <p:txBody>
+          <a:bodyPr/>
+          <a:lstStyle/>
+          <a:p>
+            <a:endParaRPr lang="zh-TW" altLang="en-US"/>
+          </a:p>
+        </p:txBody>
+      </p:sp>
+    </p:spTree>
+    <p:extLst>
+      <p:ext uri="{BB962C8B-B14F-4D97-AF65-F5344CB8AC3E}">
+        <p14:creationId xmlns:p14="http://schemas.microsoft.com/office/powerpoint/2010/main" val="2608073209"/>
+      </p:ext>
+    </p:extLst>
+  </p:cSld>
+  <p:clrMapOvr>
+    <a:masterClrMapping/>
+  </p:clrMapOvr>
+</p:sld>
+</file>
+
 <file path=ppt/theme/theme1.xml><?xml version="1.0" encoding="utf-8"?>
 <a:theme xmlns:a="http://schemas.openxmlformats.org/drawingml/2006/main" name="Office Theme">
   <a:themeElements>

--- a/Presentation1.pptx
+++ b/Presentation1.pptx
@@ -9,6 +9,7 @@
     <p:sldId id="257" r:id="rId3"/>
     <p:sldId id="258" r:id="rId4"/>
     <p:sldId id="259" r:id="rId5"/>
+    <p:sldId id="260" r:id="rId6"/>
   </p:sldIdLst>
   <p:sldSz cx="12192000" cy="6858000"/>
   <p:notesSz cx="7315200" cy="9601200"/>
@@ -246,7 +247,7 @@
           <a:p>
             <a:fld id="{D638DB22-397D-48F1-BDCF-E66CBFA46A5C}" type="datetimeFigureOut">
               <a:rPr lang="zh-TW" altLang="en-US" smtClean="0"/>
-              <a:t>2015/11/10</a:t>
+              <a:t>2015/11/12</a:t>
             </a:fld>
             <a:endParaRPr lang="zh-TW" altLang="en-US"/>
           </a:p>
@@ -416,7 +417,7 @@
           <a:p>
             <a:fld id="{D638DB22-397D-48F1-BDCF-E66CBFA46A5C}" type="datetimeFigureOut">
               <a:rPr lang="zh-TW" altLang="en-US" smtClean="0"/>
-              <a:t>2015/11/10</a:t>
+              <a:t>2015/11/12</a:t>
             </a:fld>
             <a:endParaRPr lang="zh-TW" altLang="en-US"/>
           </a:p>
@@ -596,7 +597,7 @@
           <a:p>
             <a:fld id="{D638DB22-397D-48F1-BDCF-E66CBFA46A5C}" type="datetimeFigureOut">
               <a:rPr lang="zh-TW" altLang="en-US" smtClean="0"/>
-              <a:t>2015/11/10</a:t>
+              <a:t>2015/11/12</a:t>
             </a:fld>
             <a:endParaRPr lang="zh-TW" altLang="en-US"/>
           </a:p>
@@ -766,7 +767,7 @@
           <a:p>
             <a:fld id="{D638DB22-397D-48F1-BDCF-E66CBFA46A5C}" type="datetimeFigureOut">
               <a:rPr lang="zh-TW" altLang="en-US" smtClean="0"/>
-              <a:t>2015/11/10</a:t>
+              <a:t>2015/11/12</a:t>
             </a:fld>
             <a:endParaRPr lang="zh-TW" altLang="en-US"/>
           </a:p>
@@ -1012,7 +1013,7 @@
           <a:p>
             <a:fld id="{D638DB22-397D-48F1-BDCF-E66CBFA46A5C}" type="datetimeFigureOut">
               <a:rPr lang="zh-TW" altLang="en-US" smtClean="0"/>
-              <a:t>2015/11/10</a:t>
+              <a:t>2015/11/12</a:t>
             </a:fld>
             <a:endParaRPr lang="zh-TW" altLang="en-US"/>
           </a:p>
@@ -1244,7 +1245,7 @@
           <a:p>
             <a:fld id="{D638DB22-397D-48F1-BDCF-E66CBFA46A5C}" type="datetimeFigureOut">
               <a:rPr lang="zh-TW" altLang="en-US" smtClean="0"/>
-              <a:t>2015/11/10</a:t>
+              <a:t>2015/11/12</a:t>
             </a:fld>
             <a:endParaRPr lang="zh-TW" altLang="en-US"/>
           </a:p>
@@ -1611,7 +1612,7 @@
           <a:p>
             <a:fld id="{D638DB22-397D-48F1-BDCF-E66CBFA46A5C}" type="datetimeFigureOut">
               <a:rPr lang="zh-TW" altLang="en-US" smtClean="0"/>
-              <a:t>2015/11/10</a:t>
+              <a:t>2015/11/12</a:t>
             </a:fld>
             <a:endParaRPr lang="zh-TW" altLang="en-US"/>
           </a:p>
@@ -1729,7 +1730,7 @@
           <a:p>
             <a:fld id="{D638DB22-397D-48F1-BDCF-E66CBFA46A5C}" type="datetimeFigureOut">
               <a:rPr lang="zh-TW" altLang="en-US" smtClean="0"/>
-              <a:t>2015/11/10</a:t>
+              <a:t>2015/11/12</a:t>
             </a:fld>
             <a:endParaRPr lang="zh-TW" altLang="en-US"/>
           </a:p>
@@ -1824,7 +1825,7 @@
           <a:p>
             <a:fld id="{D638DB22-397D-48F1-BDCF-E66CBFA46A5C}" type="datetimeFigureOut">
               <a:rPr lang="zh-TW" altLang="en-US" smtClean="0"/>
-              <a:t>2015/11/10</a:t>
+              <a:t>2015/11/12</a:t>
             </a:fld>
             <a:endParaRPr lang="zh-TW" altLang="en-US"/>
           </a:p>
@@ -2101,7 +2102,7 @@
           <a:p>
             <a:fld id="{D638DB22-397D-48F1-BDCF-E66CBFA46A5C}" type="datetimeFigureOut">
               <a:rPr lang="zh-TW" altLang="en-US" smtClean="0"/>
-              <a:t>2015/11/10</a:t>
+              <a:t>2015/11/12</a:t>
             </a:fld>
             <a:endParaRPr lang="zh-TW" altLang="en-US"/>
           </a:p>
@@ -2354,7 +2355,7 @@
           <a:p>
             <a:fld id="{D638DB22-397D-48F1-BDCF-E66CBFA46A5C}" type="datetimeFigureOut">
               <a:rPr lang="zh-TW" altLang="en-US" smtClean="0"/>
-              <a:t>2015/11/10</a:t>
+              <a:t>2015/11/12</a:t>
             </a:fld>
             <a:endParaRPr lang="zh-TW" altLang="en-US"/>
           </a:p>
@@ -2567,7 +2568,7 @@
           <a:p>
             <a:fld id="{D638DB22-397D-48F1-BDCF-E66CBFA46A5C}" type="datetimeFigureOut">
               <a:rPr lang="zh-TW" altLang="en-US" smtClean="0"/>
-              <a:t>2015/11/10</a:t>
+              <a:t>2015/11/12</a:t>
             </a:fld>
             <a:endParaRPr lang="zh-TW" altLang="en-US"/>
           </a:p>
@@ -3169,7 +3170,7 @@
       </p:grpSpPr>
       <p:pic>
         <p:nvPicPr>
-          <p:cNvPr id="6" name="Picture 5"/>
+          <p:cNvPr id="21" name="Picture 20"/>
           <p:cNvPicPr>
             <a:picLocks noChangeAspect="1"/>
           </p:cNvPicPr>
@@ -3183,8 +3184,8 @@
         </p:blipFill>
         <p:spPr>
           <a:xfrm>
-            <a:off x="105721" y="986135"/>
-            <a:ext cx="5943600" cy="4460663"/>
+            <a:off x="6196976" y="28575"/>
+            <a:ext cx="4572000" cy="3431281"/>
           </a:xfrm>
           <a:prstGeom prst="rect">
             <a:avLst/>
@@ -3193,7 +3194,7 @@
       </p:pic>
       <p:pic>
         <p:nvPicPr>
-          <p:cNvPr id="7" name="Picture 6"/>
+          <p:cNvPr id="17" name="Picture 16"/>
           <p:cNvPicPr>
             <a:picLocks noChangeAspect="1"/>
           </p:cNvPicPr>
@@ -3207,37 +3208,86 @@
         </p:blipFill>
         <p:spPr>
           <a:xfrm>
-            <a:off x="6248400" y="986134"/>
-            <a:ext cx="5943600" cy="4460663"/>
+            <a:off x="6196976" y="3398143"/>
+            <a:ext cx="4572000" cy="3422156"/>
           </a:xfrm>
           <a:prstGeom prst="rect">
             <a:avLst/>
           </a:prstGeom>
         </p:spPr>
       </p:pic>
-      <p:sp>
-        <p:nvSpPr>
-          <p:cNvPr id="8" name="Title 7"/>
-          <p:cNvSpPr>
-            <a:spLocks noGrp="1"/>
-          </p:cNvSpPr>
-          <p:nvPr>
-            <p:ph type="title"/>
-          </p:nvPr>
-        </p:nvSpPr>
-        <p:spPr/>
-        <p:txBody>
-          <a:bodyPr/>
-          <a:lstStyle/>
-          <a:p>
-            <a:r>
-              <a:rPr lang="en-US" altLang="zh-TW" dirty="0" smtClean="0"/>
-              <a:t>Two power plants; both are committed</a:t>
-            </a:r>
-            <a:endParaRPr lang="zh-TW" altLang="en-US" dirty="0"/>
-          </a:p>
-        </p:txBody>
-      </p:sp>
+      <p:pic>
+        <p:nvPicPr>
+          <p:cNvPr id="18" name="Picture 17"/>
+          <p:cNvPicPr>
+            <a:picLocks noChangeAspect="1"/>
+          </p:cNvPicPr>
+          <p:nvPr/>
+        </p:nvPicPr>
+        <p:blipFill>
+          <a:blip r:embed="rId4"/>
+          <a:stretch>
+            <a:fillRect/>
+          </a:stretch>
+        </p:blipFill>
+        <p:spPr>
+          <a:xfrm>
+            <a:off x="1273582" y="95250"/>
+            <a:ext cx="4572000" cy="3431282"/>
+          </a:xfrm>
+          <a:prstGeom prst="rect">
+            <a:avLst/>
+          </a:prstGeom>
+        </p:spPr>
+      </p:pic>
+      <p:pic>
+        <p:nvPicPr>
+          <p:cNvPr id="20" name="Picture 19"/>
+          <p:cNvPicPr>
+            <a:picLocks noChangeAspect="1"/>
+          </p:cNvPicPr>
+          <p:nvPr/>
+        </p:nvPicPr>
+        <p:blipFill>
+          <a:blip r:embed="rId5"/>
+          <a:stretch>
+            <a:fillRect/>
+          </a:stretch>
+        </p:blipFill>
+        <p:spPr>
+          <a:xfrm>
+            <a:off x="1273582" y="3398143"/>
+            <a:ext cx="4572000" cy="3431282"/>
+          </a:xfrm>
+          <a:prstGeom prst="rect">
+            <a:avLst/>
+          </a:prstGeom>
+        </p:spPr>
+      </p:pic>
+      <p:pic>
+        <p:nvPicPr>
+          <p:cNvPr id="22" name="Picture 21"/>
+          <p:cNvPicPr>
+            <a:picLocks noChangeAspect="1"/>
+          </p:cNvPicPr>
+          <p:nvPr/>
+        </p:nvPicPr>
+        <p:blipFill>
+          <a:blip r:embed="rId6"/>
+          <a:stretch>
+            <a:fillRect/>
+          </a:stretch>
+        </p:blipFill>
+        <p:spPr>
+          <a:xfrm>
+            <a:off x="1273582" y="28576"/>
+            <a:ext cx="4572000" cy="3431281"/>
+          </a:xfrm>
+          <a:prstGeom prst="rect">
+            <a:avLst/>
+          </a:prstGeom>
+        </p:spPr>
+      </p:pic>
     </p:spTree>
     <p:extLst>
       <p:ext uri="{BB962C8B-B14F-4D97-AF65-F5344CB8AC3E}">
@@ -3275,35 +3325,518 @@
           <a:chExt cx="0" cy="0"/>
         </a:xfrm>
       </p:grpSpPr>
-      <p:sp>
-        <p:nvSpPr>
-          <p:cNvPr id="2" name="Title 1"/>
-          <p:cNvSpPr>
-            <a:spLocks noGrp="1"/>
-          </p:cNvSpPr>
-          <p:nvPr>
-            <p:ph type="title"/>
-          </p:nvPr>
-        </p:nvSpPr>
-        <p:spPr/>
-        <p:txBody>
-          <a:bodyPr/>
-          <a:lstStyle/>
-          <a:p>
-            <a:endParaRPr lang="zh-TW" altLang="en-US"/>
-          </a:p>
-        </p:txBody>
-      </p:sp>
+      <p:pic>
+        <p:nvPicPr>
+          <p:cNvPr id="23" name="Picture 22"/>
+          <p:cNvPicPr>
+            <a:picLocks noChangeAspect="1"/>
+          </p:cNvPicPr>
+          <p:nvPr/>
+        </p:nvPicPr>
+        <p:blipFill>
+          <a:blip r:embed="rId2"/>
+          <a:stretch>
+            <a:fillRect/>
+          </a:stretch>
+        </p:blipFill>
+        <p:spPr>
+          <a:xfrm>
+            <a:off x="228600" y="1193916"/>
+            <a:ext cx="6215552" cy="4663440"/>
+          </a:xfrm>
+          <a:prstGeom prst="rect">
+            <a:avLst/>
+          </a:prstGeom>
+        </p:spPr>
+      </p:pic>
+      <p:pic>
+        <p:nvPicPr>
+          <p:cNvPr id="24" name="Picture 23"/>
+          <p:cNvPicPr>
+            <a:picLocks noChangeAspect="1"/>
+          </p:cNvPicPr>
+          <p:nvPr/>
+        </p:nvPicPr>
+        <p:blipFill>
+          <a:blip r:embed="rId3"/>
+          <a:stretch>
+            <a:fillRect/>
+          </a:stretch>
+        </p:blipFill>
+        <p:spPr>
+          <a:xfrm>
+            <a:off x="5940876" y="1193916"/>
+            <a:ext cx="6215552" cy="4663440"/>
+          </a:xfrm>
+          <a:prstGeom prst="rect">
+            <a:avLst/>
+          </a:prstGeom>
+        </p:spPr>
+      </p:pic>
+      <p:grpSp>
+        <p:nvGrpSpPr>
+          <p:cNvPr id="20" name="Group 19"/>
+          <p:cNvGrpSpPr/>
+          <p:nvPr/>
+        </p:nvGrpSpPr>
+        <p:grpSpPr>
+          <a:xfrm>
+            <a:off x="9089245" y="2986088"/>
+            <a:ext cx="492905" cy="1412081"/>
+            <a:chOff x="9070195" y="2986088"/>
+            <a:chExt cx="492905" cy="1412081"/>
+          </a:xfrm>
+        </p:grpSpPr>
+        <p:cxnSp>
+          <p:nvCxnSpPr>
+            <p:cNvPr id="8" name="Straight Connector 7"/>
+            <p:cNvCxnSpPr/>
+            <p:nvPr/>
+          </p:nvCxnSpPr>
+          <p:spPr>
+            <a:xfrm>
+              <a:off x="9070195" y="3450431"/>
+              <a:ext cx="73805" cy="947738"/>
+            </a:xfrm>
+            <a:prstGeom prst="line">
+              <a:avLst/>
+            </a:prstGeom>
+            <a:ln>
+              <a:solidFill>
+                <a:schemeClr val="tx1"/>
+              </a:solidFill>
+              <a:prstDash val="dash"/>
+            </a:ln>
+          </p:spPr>
+          <p:style>
+            <a:lnRef idx="1">
+              <a:schemeClr val="accent1"/>
+            </a:lnRef>
+            <a:fillRef idx="0">
+              <a:schemeClr val="accent1"/>
+            </a:fillRef>
+            <a:effectRef idx="0">
+              <a:schemeClr val="accent1"/>
+            </a:effectRef>
+            <a:fontRef idx="minor">
+              <a:schemeClr val="tx1"/>
+            </a:fontRef>
+          </p:style>
+        </p:cxnSp>
+        <p:cxnSp>
+          <p:nvCxnSpPr>
+            <p:cNvPr id="10" name="Straight Connector 9"/>
+            <p:cNvCxnSpPr/>
+            <p:nvPr/>
+          </p:nvCxnSpPr>
+          <p:spPr>
+            <a:xfrm flipH="1">
+              <a:off x="9070195" y="2986088"/>
+              <a:ext cx="68723" cy="464343"/>
+            </a:xfrm>
+            <a:prstGeom prst="line">
+              <a:avLst/>
+            </a:prstGeom>
+            <a:ln>
+              <a:solidFill>
+                <a:schemeClr val="tx1"/>
+              </a:solidFill>
+              <a:prstDash val="dash"/>
+            </a:ln>
+          </p:spPr>
+          <p:style>
+            <a:lnRef idx="1">
+              <a:schemeClr val="accent1"/>
+            </a:lnRef>
+            <a:fillRef idx="0">
+              <a:schemeClr val="accent1"/>
+            </a:fillRef>
+            <a:effectRef idx="0">
+              <a:schemeClr val="accent1"/>
+            </a:effectRef>
+            <a:fontRef idx="minor">
+              <a:schemeClr val="tx1"/>
+            </a:fontRef>
+          </p:style>
+        </p:cxnSp>
+        <p:cxnSp>
+          <p:nvCxnSpPr>
+            <p:cNvPr id="14" name="Straight Connector 13"/>
+            <p:cNvCxnSpPr/>
+            <p:nvPr/>
+          </p:nvCxnSpPr>
+          <p:spPr>
+            <a:xfrm flipH="1">
+              <a:off x="9484519" y="4040981"/>
+              <a:ext cx="78581" cy="357188"/>
+            </a:xfrm>
+            <a:prstGeom prst="line">
+              <a:avLst/>
+            </a:prstGeom>
+            <a:ln>
+              <a:solidFill>
+                <a:schemeClr val="tx1"/>
+              </a:solidFill>
+              <a:prstDash val="dash"/>
+            </a:ln>
+          </p:spPr>
+          <p:style>
+            <a:lnRef idx="1">
+              <a:schemeClr val="accent1"/>
+            </a:lnRef>
+            <a:fillRef idx="0">
+              <a:schemeClr val="accent1"/>
+            </a:fillRef>
+            <a:effectRef idx="0">
+              <a:schemeClr val="accent1"/>
+            </a:effectRef>
+            <a:fontRef idx="minor">
+              <a:schemeClr val="tx1"/>
+            </a:fontRef>
+          </p:style>
+        </p:cxnSp>
+      </p:grpSp>
     </p:spTree>
     <p:extLst>
       <p:ext uri="{BB962C8B-B14F-4D97-AF65-F5344CB8AC3E}">
-        <p14:creationId xmlns:p14="http://schemas.microsoft.com/office/powerpoint/2010/main" val="2608073209"/>
+        <p14:creationId xmlns:p14="http://schemas.microsoft.com/office/powerpoint/2010/main" val="4119294582"/>
       </p:ext>
     </p:extLst>
   </p:cSld>
   <p:clrMapOvr>
     <a:masterClrMapping/>
   </p:clrMapOvr>
+  <p:timing>
+    <p:tnLst>
+      <p:par>
+        <p:cTn id="1" dur="indefinite" restart="never" nodeType="tmRoot">
+          <p:childTnLst>
+            <p:seq concurrent="1" nextAc="seek">
+              <p:cTn id="2" dur="indefinite" nodeType="mainSeq">
+                <p:childTnLst>
+                  <p:par>
+                    <p:cTn id="3" fill="hold">
+                      <p:stCondLst>
+                        <p:cond delay="indefinite"/>
+                      </p:stCondLst>
+                      <p:childTnLst>
+                        <p:par>
+                          <p:cTn id="4" fill="hold">
+                            <p:stCondLst>
+                              <p:cond delay="0"/>
+                            </p:stCondLst>
+                            <p:childTnLst>
+                              <p:par>
+                                <p:cTn id="5" presetID="22" presetClass="entr" presetSubtype="8" fill="hold" nodeType="clickEffect">
+                                  <p:stCondLst>
+                                    <p:cond delay="0"/>
+                                  </p:stCondLst>
+                                  <p:childTnLst>
+                                    <p:set>
+                                      <p:cBhvr>
+                                        <p:cTn id="6" dur="1" fill="hold">
+                                          <p:stCondLst>
+                                            <p:cond delay="0"/>
+                                          </p:stCondLst>
+                                        </p:cTn>
+                                        <p:tgtEl>
+                                          <p:spTgt spid="20"/>
+                                        </p:tgtEl>
+                                        <p:attrNameLst>
+                                          <p:attrName>style.visibility</p:attrName>
+                                        </p:attrNameLst>
+                                      </p:cBhvr>
+                                      <p:to>
+                                        <p:strVal val="visible"/>
+                                      </p:to>
+                                    </p:set>
+                                    <p:animEffect transition="in" filter="wipe(left)">
+                                      <p:cBhvr>
+                                        <p:cTn id="7" dur="500"/>
+                                        <p:tgtEl>
+                                          <p:spTgt spid="20"/>
+                                        </p:tgtEl>
+                                      </p:cBhvr>
+                                    </p:animEffect>
+                                  </p:childTnLst>
+                                </p:cTn>
+                              </p:par>
+                            </p:childTnLst>
+                          </p:cTn>
+                        </p:par>
+                      </p:childTnLst>
+                    </p:cTn>
+                  </p:par>
+                </p:childTnLst>
+              </p:cTn>
+              <p:prevCondLst>
+                <p:cond evt="onPrev" delay="0">
+                  <p:tgtEl>
+                    <p:sldTgt/>
+                  </p:tgtEl>
+                </p:cond>
+              </p:prevCondLst>
+              <p:nextCondLst>
+                <p:cond evt="onNext" delay="0">
+                  <p:tgtEl>
+                    <p:sldTgt/>
+                  </p:tgtEl>
+                </p:cond>
+              </p:nextCondLst>
+            </p:seq>
+          </p:childTnLst>
+        </p:cTn>
+      </p:par>
+    </p:tnLst>
+  </p:timing>
+</p:sld>
+</file>
+
+<file path=ppt/slides/slide5.xml><?xml version="1.0" encoding="utf-8"?>
+<p:sld xmlns:a="http://schemas.openxmlformats.org/drawingml/2006/main" xmlns:r="http://schemas.openxmlformats.org/officeDocument/2006/relationships" xmlns:p="http://schemas.openxmlformats.org/presentationml/2006/main">
+  <p:cSld>
+    <p:spTree>
+      <p:nvGrpSpPr>
+        <p:cNvPr id="1" name=""/>
+        <p:cNvGrpSpPr/>
+        <p:nvPr/>
+      </p:nvGrpSpPr>
+      <p:grpSpPr>
+        <a:xfrm>
+          <a:off x="0" y="0"/>
+          <a:ext cx="0" cy="0"/>
+          <a:chOff x="0" y="0"/>
+          <a:chExt cx="0" cy="0"/>
+        </a:xfrm>
+      </p:grpSpPr>
+      <p:pic>
+        <p:nvPicPr>
+          <p:cNvPr id="2" name="Picture 1"/>
+          <p:cNvPicPr>
+            <a:picLocks noChangeAspect="1"/>
+          </p:cNvPicPr>
+          <p:nvPr/>
+        </p:nvPicPr>
+        <p:blipFill>
+          <a:blip r:embed="rId2"/>
+          <a:stretch>
+            <a:fillRect/>
+          </a:stretch>
+        </p:blipFill>
+        <p:spPr>
+          <a:xfrm>
+            <a:off x="1525741" y="0"/>
+            <a:ext cx="9140518" cy="6858000"/>
+          </a:xfrm>
+          <a:prstGeom prst="rect">
+            <a:avLst/>
+          </a:prstGeom>
+        </p:spPr>
+      </p:pic>
+      <p:cxnSp>
+        <p:nvCxnSpPr>
+          <p:cNvPr id="4" name="Straight Arrow Connector 3"/>
+          <p:cNvCxnSpPr/>
+          <p:nvPr/>
+        </p:nvCxnSpPr>
+        <p:spPr>
+          <a:xfrm>
+            <a:off x="6485467" y="5054600"/>
+            <a:ext cx="0" cy="1041400"/>
+          </a:xfrm>
+          <a:prstGeom prst="straightConnector1">
+            <a:avLst/>
+          </a:prstGeom>
+          <a:ln>
+            <a:solidFill>
+              <a:schemeClr val="tx1"/>
+            </a:solidFill>
+            <a:headEnd type="triangle" w="med" len="med"/>
+            <a:tailEnd type="triangle" w="med" len="med"/>
+          </a:ln>
+        </p:spPr>
+        <p:style>
+          <a:lnRef idx="1">
+            <a:schemeClr val="accent1"/>
+          </a:lnRef>
+          <a:fillRef idx="0">
+            <a:schemeClr val="accent1"/>
+          </a:fillRef>
+          <a:effectRef idx="0">
+            <a:schemeClr val="accent1"/>
+          </a:effectRef>
+          <a:fontRef idx="minor">
+            <a:schemeClr val="tx1"/>
+          </a:fontRef>
+        </p:style>
+      </p:cxnSp>
+      <p:sp>
+        <p:nvSpPr>
+          <p:cNvPr id="5" name="TextBox 4"/>
+          <p:cNvSpPr txBox="1"/>
+          <p:nvPr/>
+        </p:nvSpPr>
+        <p:spPr>
+          <a:xfrm>
+            <a:off x="4544187" y="5390634"/>
+            <a:ext cx="2000548" cy="369332"/>
+          </a:xfrm>
+          <a:prstGeom prst="rect">
+            <a:avLst/>
+          </a:prstGeom>
+          <a:noFill/>
+        </p:spPr>
+        <p:txBody>
+          <a:bodyPr wrap="none" rtlCol="0">
+            <a:spAutoFit/>
+          </a:bodyPr>
+          <a:lstStyle/>
+          <a:p>
+            <a:r>
+              <a:rPr lang="en-US" altLang="zh-TW" dirty="0" smtClean="0"/>
+              <a:t>1</a:t>
+            </a:r>
+            <a:r>
+              <a:rPr lang="en-US" altLang="zh-TW" baseline="30000" dirty="0" smtClean="0"/>
+              <a:t>st</a:t>
+            </a:r>
+            <a:r>
+              <a:rPr lang="en-US" altLang="zh-TW" dirty="0" smtClean="0"/>
+              <a:t> unit @ min level</a:t>
+            </a:r>
+            <a:endParaRPr lang="zh-TW" altLang="en-US" dirty="0"/>
+          </a:p>
+        </p:txBody>
+      </p:sp>
+      <p:sp>
+        <p:nvSpPr>
+          <p:cNvPr id="6" name="TextBox 5"/>
+          <p:cNvSpPr txBox="1"/>
+          <p:nvPr/>
+        </p:nvSpPr>
+        <p:spPr>
+          <a:xfrm>
+            <a:off x="10049934" y="2334167"/>
+            <a:ext cx="2000548" cy="369332"/>
+          </a:xfrm>
+          <a:prstGeom prst="rect">
+            <a:avLst/>
+          </a:prstGeom>
+          <a:noFill/>
+        </p:spPr>
+        <p:txBody>
+          <a:bodyPr wrap="none" rtlCol="0">
+            <a:spAutoFit/>
+          </a:bodyPr>
+          <a:lstStyle/>
+          <a:p>
+            <a:r>
+              <a:rPr lang="en-US" altLang="zh-TW" dirty="0" smtClean="0"/>
+              <a:t>1</a:t>
+            </a:r>
+            <a:r>
+              <a:rPr lang="en-US" altLang="zh-TW" baseline="30000" dirty="0" smtClean="0"/>
+              <a:t>st</a:t>
+            </a:r>
+            <a:r>
+              <a:rPr lang="en-US" altLang="zh-TW" dirty="0" smtClean="0"/>
+              <a:t> unit @ min level</a:t>
+            </a:r>
+            <a:endParaRPr lang="zh-TW" altLang="en-US" dirty="0"/>
+          </a:p>
+        </p:txBody>
+      </p:sp>
+      <p:cxnSp>
+        <p:nvCxnSpPr>
+          <p:cNvPr id="7" name="Straight Arrow Connector 6"/>
+          <p:cNvCxnSpPr/>
+          <p:nvPr/>
+        </p:nvCxnSpPr>
+        <p:spPr>
+          <a:xfrm>
+            <a:off x="8187267" y="1820333"/>
+            <a:ext cx="0" cy="2150534"/>
+          </a:xfrm>
+          <a:prstGeom prst="straightConnector1">
+            <a:avLst/>
+          </a:prstGeom>
+          <a:ln>
+            <a:solidFill>
+              <a:schemeClr val="tx1"/>
+            </a:solidFill>
+            <a:headEnd type="triangle" w="med" len="med"/>
+            <a:tailEnd type="triangle" w="med" len="med"/>
+          </a:ln>
+        </p:spPr>
+        <p:style>
+          <a:lnRef idx="1">
+            <a:schemeClr val="accent1"/>
+          </a:lnRef>
+          <a:fillRef idx="0">
+            <a:schemeClr val="accent1"/>
+          </a:fillRef>
+          <a:effectRef idx="0">
+            <a:schemeClr val="accent1"/>
+          </a:effectRef>
+          <a:fontRef idx="minor">
+            <a:schemeClr val="tx1"/>
+          </a:fontRef>
+        </p:style>
+      </p:cxnSp>
+      <p:cxnSp>
+        <p:nvCxnSpPr>
+          <p:cNvPr id="10" name="Straight Arrow Connector 9"/>
+          <p:cNvCxnSpPr/>
+          <p:nvPr/>
+        </p:nvCxnSpPr>
+        <p:spPr>
+          <a:xfrm>
+            <a:off x="8339667" y="1972733"/>
+            <a:ext cx="0" cy="2150534"/>
+          </a:xfrm>
+          <a:prstGeom prst="straightConnector1">
+            <a:avLst/>
+          </a:prstGeom>
+          <a:ln>
+            <a:solidFill>
+              <a:schemeClr val="tx1"/>
+            </a:solidFill>
+            <a:headEnd type="triangle" w="med" len="med"/>
+            <a:tailEnd type="triangle" w="med" len="med"/>
+          </a:ln>
+        </p:spPr>
+        <p:style>
+          <a:lnRef idx="1">
+            <a:schemeClr val="accent1"/>
+          </a:lnRef>
+          <a:fillRef idx="0">
+            <a:schemeClr val="accent1"/>
+          </a:fillRef>
+          <a:effectRef idx="0">
+            <a:schemeClr val="accent1"/>
+          </a:effectRef>
+          <a:fontRef idx="minor">
+            <a:schemeClr val="tx1"/>
+          </a:fontRef>
+        </p:style>
+      </p:cxnSp>
+    </p:spTree>
+    <p:extLst>
+      <p:ext uri="{BB962C8B-B14F-4D97-AF65-F5344CB8AC3E}">
+        <p14:creationId xmlns:p14="http://schemas.microsoft.com/office/powerpoint/2010/main" val="558338810"/>
+      </p:ext>
+    </p:extLst>
+  </p:cSld>
+  <p:clrMapOvr>
+    <a:masterClrMapping/>
+  </p:clrMapOvr>
+  <p:timing>
+    <p:tnLst>
+      <p:par>
+        <p:cTn id="1" dur="indefinite" restart="never" nodeType="tmRoot"/>
+      </p:par>
+    </p:tnLst>
+  </p:timing>
 </p:sld>
 </file>
 

--- a/Presentation1.pptx
+++ b/Presentation1.pptx
@@ -3611,7 +3611,7 @@
       </p:grpSpPr>
       <p:pic>
         <p:nvPicPr>
-          <p:cNvPr id="2" name="Picture 1"/>
+          <p:cNvPr id="11" name="Picture 10"/>
           <p:cNvPicPr>
             <a:picLocks noChangeAspect="1"/>
           </p:cNvPicPr>
@@ -3716,8 +3716,8 @@
         </p:nvSpPr>
         <p:spPr>
           <a:xfrm>
-            <a:off x="10049934" y="2334167"/>
-            <a:ext cx="2000548" cy="369332"/>
+            <a:off x="8242300" y="3454400"/>
+            <a:ext cx="1524000" cy="923330"/>
           </a:xfrm>
           <a:prstGeom prst="rect">
             <a:avLst/>
@@ -3725,7 +3725,7 @@
           <a:noFill/>
         </p:spPr>
         <p:txBody>
-          <a:bodyPr wrap="none" rtlCol="0">
+          <a:bodyPr wrap="square" rtlCol="0">
             <a:spAutoFit/>
           </a:bodyPr>
           <a:lstStyle/>
@@ -3740,7 +3740,15 @@
             </a:r>
             <a:r>
               <a:rPr lang="en-US" altLang="zh-TW" dirty="0" smtClean="0"/>
-              <a:t> unit @ min level</a:t>
+              <a:t> &amp; 2</a:t>
+            </a:r>
+            <a:r>
+              <a:rPr lang="en-US" altLang="zh-TW" baseline="30000" dirty="0" smtClean="0"/>
+              <a:t>nd</a:t>
+            </a:r>
+            <a:r>
+              <a:rPr lang="en-US" altLang="zh-TW" dirty="0" smtClean="0"/>
+              <a:t> units produce at same level</a:t>
             </a:r>
             <a:endParaRPr lang="zh-TW" altLang="en-US" dirty="0"/>
           </a:p>
@@ -3791,7 +3799,7 @@
         </p:nvCxnSpPr>
         <p:spPr>
           <a:xfrm>
-            <a:off x="8339667" y="1972733"/>
+            <a:off x="8187267" y="3953933"/>
             <a:ext cx="0" cy="2150534"/>
           </a:xfrm>
           <a:prstGeom prst="straightConnector1">
@@ -3820,6 +3828,73 @@
           </a:fontRef>
         </p:style>
       </p:cxnSp>
+      <p:cxnSp>
+        <p:nvCxnSpPr>
+          <p:cNvPr id="12" name="Straight Arrow Connector 11"/>
+          <p:cNvCxnSpPr/>
+          <p:nvPr/>
+        </p:nvCxnSpPr>
+        <p:spPr>
+          <a:xfrm>
+            <a:off x="9358085" y="984031"/>
+            <a:ext cx="0" cy="431800"/>
+          </a:xfrm>
+          <a:prstGeom prst="straightConnector1">
+            <a:avLst/>
+          </a:prstGeom>
+          <a:ln>
+            <a:solidFill>
+              <a:schemeClr val="tx1"/>
+            </a:solidFill>
+            <a:headEnd type="triangle" w="med" len="med"/>
+            <a:tailEnd type="triangle" w="med" len="med"/>
+          </a:ln>
+        </p:spPr>
+        <p:style>
+          <a:lnRef idx="1">
+            <a:schemeClr val="accent1"/>
+          </a:lnRef>
+          <a:fillRef idx="0">
+            <a:schemeClr val="accent1"/>
+          </a:fillRef>
+          <a:effectRef idx="0">
+            <a:schemeClr val="accent1"/>
+          </a:effectRef>
+          <a:fontRef idx="minor">
+            <a:schemeClr val="tx1"/>
+          </a:fontRef>
+        </p:style>
+      </p:cxnSp>
+      <p:sp>
+        <p:nvSpPr>
+          <p:cNvPr id="17" name="TextBox 16"/>
+          <p:cNvSpPr txBox="1"/>
+          <p:nvPr/>
+        </p:nvSpPr>
+        <p:spPr>
+          <a:xfrm>
+            <a:off x="9358085" y="650964"/>
+            <a:ext cx="1789830" cy="646331"/>
+          </a:xfrm>
+          <a:prstGeom prst="rect">
+            <a:avLst/>
+          </a:prstGeom>
+          <a:noFill/>
+        </p:spPr>
+        <p:txBody>
+          <a:bodyPr wrap="square" rtlCol="0">
+            <a:spAutoFit/>
+          </a:bodyPr>
+          <a:lstStyle/>
+          <a:p>
+            <a:r>
+              <a:rPr lang="en-US" altLang="zh-TW" dirty="0" smtClean="0"/>
+              <a:t>8% production for in-house use</a:t>
+            </a:r>
+            <a:endParaRPr lang="zh-TW" altLang="en-US" dirty="0"/>
+          </a:p>
+        </p:txBody>
+      </p:sp>
     </p:spTree>
     <p:extLst>
       <p:ext uri="{BB962C8B-B14F-4D97-AF65-F5344CB8AC3E}">

--- a/Presentation1.pptx
+++ b/Presentation1.pptx
@@ -10,6 +10,7 @@
     <p:sldId id="258" r:id="rId4"/>
     <p:sldId id="259" r:id="rId5"/>
     <p:sldId id="260" r:id="rId6"/>
+    <p:sldId id="261" r:id="rId7"/>
   </p:sldIdLst>
   <p:sldSz cx="12192000" cy="6858000"/>
   <p:notesSz cx="7315200" cy="9601200"/>
@@ -247,7 +248,7 @@
           <a:p>
             <a:fld id="{D638DB22-397D-48F1-BDCF-E66CBFA46A5C}" type="datetimeFigureOut">
               <a:rPr lang="zh-TW" altLang="en-US" smtClean="0"/>
-              <a:t>2015/11/12</a:t>
+              <a:t>2015/11/13</a:t>
             </a:fld>
             <a:endParaRPr lang="zh-TW" altLang="en-US"/>
           </a:p>
@@ -417,7 +418,7 @@
           <a:p>
             <a:fld id="{D638DB22-397D-48F1-BDCF-E66CBFA46A5C}" type="datetimeFigureOut">
               <a:rPr lang="zh-TW" altLang="en-US" smtClean="0"/>
-              <a:t>2015/11/12</a:t>
+              <a:t>2015/11/13</a:t>
             </a:fld>
             <a:endParaRPr lang="zh-TW" altLang="en-US"/>
           </a:p>
@@ -597,7 +598,7 @@
           <a:p>
             <a:fld id="{D638DB22-397D-48F1-BDCF-E66CBFA46A5C}" type="datetimeFigureOut">
               <a:rPr lang="zh-TW" altLang="en-US" smtClean="0"/>
-              <a:t>2015/11/12</a:t>
+              <a:t>2015/11/13</a:t>
             </a:fld>
             <a:endParaRPr lang="zh-TW" altLang="en-US"/>
           </a:p>
@@ -767,7 +768,7 @@
           <a:p>
             <a:fld id="{D638DB22-397D-48F1-BDCF-E66CBFA46A5C}" type="datetimeFigureOut">
               <a:rPr lang="zh-TW" altLang="en-US" smtClean="0"/>
-              <a:t>2015/11/12</a:t>
+              <a:t>2015/11/13</a:t>
             </a:fld>
             <a:endParaRPr lang="zh-TW" altLang="en-US"/>
           </a:p>
@@ -1013,7 +1014,7 @@
           <a:p>
             <a:fld id="{D638DB22-397D-48F1-BDCF-E66CBFA46A5C}" type="datetimeFigureOut">
               <a:rPr lang="zh-TW" altLang="en-US" smtClean="0"/>
-              <a:t>2015/11/12</a:t>
+              <a:t>2015/11/13</a:t>
             </a:fld>
             <a:endParaRPr lang="zh-TW" altLang="en-US"/>
           </a:p>
@@ -1245,7 +1246,7 @@
           <a:p>
             <a:fld id="{D638DB22-397D-48F1-BDCF-E66CBFA46A5C}" type="datetimeFigureOut">
               <a:rPr lang="zh-TW" altLang="en-US" smtClean="0"/>
-              <a:t>2015/11/12</a:t>
+              <a:t>2015/11/13</a:t>
             </a:fld>
             <a:endParaRPr lang="zh-TW" altLang="en-US"/>
           </a:p>
@@ -1612,7 +1613,7 @@
           <a:p>
             <a:fld id="{D638DB22-397D-48F1-BDCF-E66CBFA46A5C}" type="datetimeFigureOut">
               <a:rPr lang="zh-TW" altLang="en-US" smtClean="0"/>
-              <a:t>2015/11/12</a:t>
+              <a:t>2015/11/13</a:t>
             </a:fld>
             <a:endParaRPr lang="zh-TW" altLang="en-US"/>
           </a:p>
@@ -1730,7 +1731,7 @@
           <a:p>
             <a:fld id="{D638DB22-397D-48F1-BDCF-E66CBFA46A5C}" type="datetimeFigureOut">
               <a:rPr lang="zh-TW" altLang="en-US" smtClean="0"/>
-              <a:t>2015/11/12</a:t>
+              <a:t>2015/11/13</a:t>
             </a:fld>
             <a:endParaRPr lang="zh-TW" altLang="en-US"/>
           </a:p>
@@ -1825,7 +1826,7 @@
           <a:p>
             <a:fld id="{D638DB22-397D-48F1-BDCF-E66CBFA46A5C}" type="datetimeFigureOut">
               <a:rPr lang="zh-TW" altLang="en-US" smtClean="0"/>
-              <a:t>2015/11/12</a:t>
+              <a:t>2015/11/13</a:t>
             </a:fld>
             <a:endParaRPr lang="zh-TW" altLang="en-US"/>
           </a:p>
@@ -2102,7 +2103,7 @@
           <a:p>
             <a:fld id="{D638DB22-397D-48F1-BDCF-E66CBFA46A5C}" type="datetimeFigureOut">
               <a:rPr lang="zh-TW" altLang="en-US" smtClean="0"/>
-              <a:t>2015/11/12</a:t>
+              <a:t>2015/11/13</a:t>
             </a:fld>
             <a:endParaRPr lang="zh-TW" altLang="en-US"/>
           </a:p>
@@ -2355,7 +2356,7 @@
           <a:p>
             <a:fld id="{D638DB22-397D-48F1-BDCF-E66CBFA46A5C}" type="datetimeFigureOut">
               <a:rPr lang="zh-TW" altLang="en-US" smtClean="0"/>
-              <a:t>2015/11/12</a:t>
+              <a:t>2015/11/13</a:t>
             </a:fld>
             <a:endParaRPr lang="zh-TW" altLang="en-US"/>
           </a:p>
@@ -2568,7 +2569,7 @@
           <a:p>
             <a:fld id="{D638DB22-397D-48F1-BDCF-E66CBFA46A5C}" type="datetimeFigureOut">
               <a:rPr lang="zh-TW" altLang="en-US" smtClean="0"/>
-              <a:t>2015/11/12</a:t>
+              <a:t>2015/11/13</a:t>
             </a:fld>
             <a:endParaRPr lang="zh-TW" altLang="en-US"/>
           </a:p>
@@ -3915,6 +3916,163 @@
 </p:sld>
 </file>
 
+<file path=ppt/slides/slide6.xml><?xml version="1.0" encoding="utf-8"?>
+<p:sld xmlns:a="http://schemas.openxmlformats.org/drawingml/2006/main" xmlns:r="http://schemas.openxmlformats.org/officeDocument/2006/relationships" xmlns:p="http://schemas.openxmlformats.org/presentationml/2006/main">
+  <p:cSld>
+    <p:spTree>
+      <p:nvGrpSpPr>
+        <p:cNvPr id="1" name=""/>
+        <p:cNvGrpSpPr/>
+        <p:nvPr/>
+      </p:nvGrpSpPr>
+      <p:grpSpPr>
+        <a:xfrm>
+          <a:off x="0" y="0"/>
+          <a:ext cx="0" cy="0"/>
+          <a:chOff x="0" y="0"/>
+          <a:chExt cx="0" cy="0"/>
+        </a:xfrm>
+      </p:grpSpPr>
+      <p:pic>
+        <p:nvPicPr>
+          <p:cNvPr id="3" name="Picture 2"/>
+          <p:cNvPicPr>
+            <a:picLocks noChangeAspect="1"/>
+          </p:cNvPicPr>
+          <p:nvPr/>
+        </p:nvPicPr>
+        <p:blipFill>
+          <a:blip r:embed="rId2"/>
+          <a:stretch>
+            <a:fillRect/>
+          </a:stretch>
+        </p:blipFill>
+        <p:spPr>
+          <a:xfrm>
+            <a:off x="1436914" y="0"/>
+            <a:ext cx="4572000" cy="3430307"/>
+          </a:xfrm>
+          <a:prstGeom prst="rect">
+            <a:avLst/>
+          </a:prstGeom>
+        </p:spPr>
+      </p:pic>
+      <p:pic>
+        <p:nvPicPr>
+          <p:cNvPr id="5" name="Picture 4"/>
+          <p:cNvPicPr>
+            <a:picLocks noChangeAspect="1"/>
+          </p:cNvPicPr>
+          <p:nvPr/>
+        </p:nvPicPr>
+        <p:blipFill>
+          <a:blip r:embed="rId3"/>
+          <a:stretch>
+            <a:fillRect/>
+          </a:stretch>
+        </p:blipFill>
+        <p:spPr>
+          <a:xfrm>
+            <a:off x="6276975" y="0"/>
+            <a:ext cx="4572000" cy="3430306"/>
+          </a:xfrm>
+          <a:prstGeom prst="rect">
+            <a:avLst/>
+          </a:prstGeom>
+        </p:spPr>
+      </p:pic>
+      <p:pic>
+        <p:nvPicPr>
+          <p:cNvPr id="2" name="Picture 1"/>
+          <p:cNvPicPr>
+            <a:picLocks noChangeAspect="1"/>
+          </p:cNvPicPr>
+          <p:nvPr/>
+        </p:nvPicPr>
+        <p:blipFill>
+          <a:blip r:embed="rId4"/>
+          <a:stretch>
+            <a:fillRect/>
+          </a:stretch>
+        </p:blipFill>
+        <p:spPr>
+          <a:xfrm>
+            <a:off x="1436914" y="3430306"/>
+            <a:ext cx="4572000" cy="3430306"/>
+          </a:xfrm>
+          <a:prstGeom prst="rect">
+            <a:avLst/>
+          </a:prstGeom>
+        </p:spPr>
+      </p:pic>
+      <p:pic>
+        <p:nvPicPr>
+          <p:cNvPr id="4" name="Picture 3"/>
+          <p:cNvPicPr>
+            <a:picLocks noChangeAspect="1"/>
+          </p:cNvPicPr>
+          <p:nvPr/>
+        </p:nvPicPr>
+        <p:blipFill>
+          <a:blip r:embed="rId5"/>
+          <a:stretch>
+            <a:fillRect/>
+          </a:stretch>
+        </p:blipFill>
+        <p:spPr>
+          <a:xfrm>
+            <a:off x="6276975" y="3427694"/>
+            <a:ext cx="4572000" cy="3430306"/>
+          </a:xfrm>
+          <a:prstGeom prst="rect">
+            <a:avLst/>
+          </a:prstGeom>
+        </p:spPr>
+      </p:pic>
+      <p:sp>
+        <p:nvSpPr>
+          <p:cNvPr id="6" name="TextBox 5"/>
+          <p:cNvSpPr txBox="1"/>
+          <p:nvPr/>
+        </p:nvSpPr>
+        <p:spPr>
+          <a:xfrm>
+            <a:off x="6986659" y="4820987"/>
+            <a:ext cx="3152632" cy="646331"/>
+          </a:xfrm>
+          <a:prstGeom prst="rect">
+            <a:avLst/>
+          </a:prstGeom>
+          <a:noFill/>
+        </p:spPr>
+        <p:txBody>
+          <a:bodyPr wrap="square" rtlCol="0">
+            <a:spAutoFit/>
+          </a:bodyPr>
+          <a:lstStyle/>
+          <a:p>
+            <a:pPr algn="ctr"/>
+            <a:r>
+              <a:rPr lang="en-US" altLang="zh-TW" dirty="0" smtClean="0"/>
+              <a:t>Solution quality is not better with finer grid!!</a:t>
+            </a:r>
+            <a:endParaRPr lang="zh-TW" altLang="en-US" dirty="0"/>
+          </a:p>
+        </p:txBody>
+      </p:sp>
+    </p:spTree>
+    <p:extLst>
+      <p:ext uri="{BB962C8B-B14F-4D97-AF65-F5344CB8AC3E}">
+        <p14:creationId xmlns:p14="http://schemas.microsoft.com/office/powerpoint/2010/main" val="2687857575"/>
+      </p:ext>
+    </p:extLst>
+  </p:cSld>
+  <p:clrMapOvr>
+    <a:masterClrMapping/>
+  </p:clrMapOvr>
+</p:sld>
+</file>
+
 <file path=ppt/theme/theme1.xml><?xml version="1.0" encoding="utf-8"?>
 <a:theme xmlns:a="http://schemas.openxmlformats.org/drawingml/2006/main" name="Office Theme">
   <a:themeElements>

--- a/Presentation1.pptx
+++ b/Presentation1.pptx
@@ -8,9 +8,11 @@
     <p:sldId id="256" r:id="rId2"/>
     <p:sldId id="257" r:id="rId3"/>
     <p:sldId id="258" r:id="rId4"/>
-    <p:sldId id="259" r:id="rId5"/>
-    <p:sldId id="260" r:id="rId6"/>
-    <p:sldId id="261" r:id="rId7"/>
+    <p:sldId id="263" r:id="rId5"/>
+    <p:sldId id="259" r:id="rId6"/>
+    <p:sldId id="260" r:id="rId7"/>
+    <p:sldId id="261" r:id="rId8"/>
+    <p:sldId id="264" r:id="rId9"/>
   </p:sldIdLst>
   <p:sldSz cx="12192000" cy="6858000"/>
   <p:notesSz cx="7315200" cy="9601200"/>
@@ -3328,6 +3330,91 @@
       </p:grpSpPr>
       <p:pic>
         <p:nvPicPr>
+          <p:cNvPr id="4" name="Picture 3"/>
+          <p:cNvPicPr>
+            <a:picLocks noChangeAspect="1"/>
+          </p:cNvPicPr>
+          <p:nvPr/>
+        </p:nvPicPr>
+        <p:blipFill>
+          <a:blip r:embed="rId2"/>
+          <a:stretch>
+            <a:fillRect/>
+          </a:stretch>
+        </p:blipFill>
+        <p:spPr>
+          <a:xfrm>
+            <a:off x="133350" y="871536"/>
+            <a:ext cx="6172200" cy="4630913"/>
+          </a:xfrm>
+          <a:prstGeom prst="rect">
+            <a:avLst/>
+          </a:prstGeom>
+        </p:spPr>
+      </p:pic>
+      <p:pic>
+        <p:nvPicPr>
+          <p:cNvPr id="3" name="Picture 2"/>
+          <p:cNvPicPr>
+            <a:picLocks noChangeAspect="1"/>
+          </p:cNvPicPr>
+          <p:nvPr/>
+        </p:nvPicPr>
+        <p:blipFill>
+          <a:blip r:embed="rId3"/>
+          <a:stretch>
+            <a:fillRect/>
+          </a:stretch>
+        </p:blipFill>
+        <p:spPr>
+          <a:xfrm>
+            <a:off x="5974080" y="871536"/>
+            <a:ext cx="6172200" cy="4630914"/>
+          </a:xfrm>
+          <a:prstGeom prst="rect">
+            <a:avLst/>
+          </a:prstGeom>
+        </p:spPr>
+      </p:pic>
+    </p:spTree>
+    <p:extLst>
+      <p:ext uri="{BB962C8B-B14F-4D97-AF65-F5344CB8AC3E}">
+        <p14:creationId xmlns:p14="http://schemas.microsoft.com/office/powerpoint/2010/main" val="1770393929"/>
+      </p:ext>
+    </p:extLst>
+  </p:cSld>
+  <p:clrMapOvr>
+    <a:masterClrMapping/>
+  </p:clrMapOvr>
+  <p:timing>
+    <p:tnLst>
+      <p:par>
+        <p:cTn id="1" dur="indefinite" restart="never" nodeType="tmRoot"/>
+      </p:par>
+    </p:tnLst>
+  </p:timing>
+</p:sld>
+</file>
+
+<file path=ppt/slides/slide5.xml><?xml version="1.0" encoding="utf-8"?>
+<p:sld xmlns:a="http://schemas.openxmlformats.org/drawingml/2006/main" xmlns:r="http://schemas.openxmlformats.org/officeDocument/2006/relationships" xmlns:p="http://schemas.openxmlformats.org/presentationml/2006/main">
+  <p:cSld>
+    <p:spTree>
+      <p:nvGrpSpPr>
+        <p:cNvPr id="1" name=""/>
+        <p:cNvGrpSpPr/>
+        <p:nvPr/>
+      </p:nvGrpSpPr>
+      <p:grpSpPr>
+        <a:xfrm>
+          <a:off x="0" y="0"/>
+          <a:ext cx="0" cy="0"/>
+          <a:chOff x="0" y="0"/>
+          <a:chExt cx="0" cy="0"/>
+        </a:xfrm>
+      </p:grpSpPr>
+      <p:pic>
+        <p:nvPicPr>
           <p:cNvPr id="23" name="Picture 22"/>
           <p:cNvPicPr>
             <a:picLocks noChangeAspect="1"/>
@@ -3593,7 +3680,7 @@
 </p:sld>
 </file>
 
-<file path=ppt/slides/slide5.xml><?xml version="1.0" encoding="utf-8"?>
+<file path=ppt/slides/slide6.xml><?xml version="1.0" encoding="utf-8"?>
 <p:sld xmlns:a="http://schemas.openxmlformats.org/drawingml/2006/main" xmlns:r="http://schemas.openxmlformats.org/officeDocument/2006/relationships" xmlns:p="http://schemas.openxmlformats.org/presentationml/2006/main">
   <p:cSld>
     <p:spTree>
@@ -3916,7 +4003,7 @@
 </p:sld>
 </file>
 
-<file path=ppt/slides/slide6.xml><?xml version="1.0" encoding="utf-8"?>
+<file path=ppt/slides/slide7.xml><?xml version="1.0" encoding="utf-8"?>
 <p:sld xmlns:a="http://schemas.openxmlformats.org/drawingml/2006/main" xmlns:r="http://schemas.openxmlformats.org/officeDocument/2006/relationships" xmlns:p="http://schemas.openxmlformats.org/presentationml/2006/main">
   <p:cSld>
     <p:spTree>
@@ -3935,7 +4022,7 @@
       </p:grpSpPr>
       <p:pic>
         <p:nvPicPr>
-          <p:cNvPr id="3" name="Picture 2"/>
+          <p:cNvPr id="8" name="Picture 7"/>
           <p:cNvPicPr>
             <a:picLocks noChangeAspect="1"/>
           </p:cNvPicPr>
@@ -3949,8 +4036,8 @@
         </p:blipFill>
         <p:spPr>
           <a:xfrm>
-            <a:off x="1436914" y="0"/>
-            <a:ext cx="4572000" cy="3430307"/>
+            <a:off x="1513114" y="1411006"/>
+            <a:ext cx="4572000" cy="3430306"/>
           </a:xfrm>
           <a:prstGeom prst="rect">
             <a:avLst/>
@@ -3959,7 +4046,7 @@
       </p:pic>
       <p:pic>
         <p:nvPicPr>
-          <p:cNvPr id="5" name="Picture 4"/>
+          <p:cNvPr id="7" name="Picture 6"/>
           <p:cNvPicPr>
             <a:picLocks noChangeAspect="1"/>
           </p:cNvPicPr>
@@ -3973,7 +4060,7 @@
         </p:blipFill>
         <p:spPr>
           <a:xfrm>
-            <a:off x="6276975" y="0"/>
+            <a:off x="6353175" y="1408394"/>
             <a:ext cx="4572000" cy="3430306"/>
           </a:xfrm>
           <a:prstGeom prst="rect">
@@ -3981,9 +4068,129 @@
           </a:prstGeom>
         </p:spPr>
       </p:pic>
+      <p:sp>
+        <p:nvSpPr>
+          <p:cNvPr id="6" name="TextBox 5"/>
+          <p:cNvSpPr txBox="1"/>
+          <p:nvPr/>
+        </p:nvSpPr>
+        <p:spPr>
+          <a:xfrm>
+            <a:off x="7129534" y="4838700"/>
+            <a:ext cx="3152632" cy="646331"/>
+          </a:xfrm>
+          <a:prstGeom prst="rect">
+            <a:avLst/>
+          </a:prstGeom>
+          <a:noFill/>
+        </p:spPr>
+        <p:txBody>
+          <a:bodyPr wrap="square" rtlCol="0">
+            <a:spAutoFit/>
+          </a:bodyPr>
+          <a:lstStyle/>
+          <a:p>
+            <a:pPr algn="ctr"/>
+            <a:r>
+              <a:rPr lang="en-US" altLang="zh-TW" dirty="0" smtClean="0"/>
+              <a:t>Solution quality is not better with finer </a:t>
+            </a:r>
+            <a:r>
+              <a:rPr lang="en-US" altLang="zh-TW" dirty="0" smtClean="0"/>
+              <a:t>grid:(</a:t>
+            </a:r>
+            <a:endParaRPr lang="zh-TW" altLang="en-US" dirty="0"/>
+          </a:p>
+        </p:txBody>
+      </p:sp>
+    </p:spTree>
+    <p:extLst>
+      <p:ext uri="{BB962C8B-B14F-4D97-AF65-F5344CB8AC3E}">
+        <p14:creationId xmlns:p14="http://schemas.microsoft.com/office/powerpoint/2010/main" val="2687857575"/>
+      </p:ext>
+    </p:extLst>
+  </p:cSld>
+  <p:clrMapOvr>
+    <a:masterClrMapping/>
+  </p:clrMapOvr>
+  <p:timing>
+    <p:tnLst>
+      <p:par>
+        <p:cTn id="1" dur="indefinite" restart="never" nodeType="tmRoot"/>
+      </p:par>
+    </p:tnLst>
+  </p:timing>
+</p:sld>
+</file>
+
+<file path=ppt/slides/slide8.xml><?xml version="1.0" encoding="utf-8"?>
+<p:sld xmlns:a="http://schemas.openxmlformats.org/drawingml/2006/main" xmlns:r="http://schemas.openxmlformats.org/officeDocument/2006/relationships" xmlns:p="http://schemas.openxmlformats.org/presentationml/2006/main">
+  <p:cSld>
+    <p:spTree>
+      <p:nvGrpSpPr>
+        <p:cNvPr id="1" name=""/>
+        <p:cNvGrpSpPr/>
+        <p:nvPr/>
+      </p:nvGrpSpPr>
+      <p:grpSpPr>
+        <a:xfrm>
+          <a:off x="0" y="0"/>
+          <a:ext cx="0" cy="0"/>
+          <a:chOff x="0" y="0"/>
+          <a:chExt cx="0" cy="0"/>
+        </a:xfrm>
+      </p:grpSpPr>
       <p:pic>
         <p:nvPicPr>
           <p:cNvPr id="2" name="Picture 1"/>
+          <p:cNvPicPr>
+            <a:picLocks noChangeAspect="1"/>
+          </p:cNvPicPr>
+          <p:nvPr/>
+        </p:nvPicPr>
+        <p:blipFill>
+          <a:blip r:embed="rId2"/>
+          <a:stretch>
+            <a:fillRect/>
+          </a:stretch>
+        </p:blipFill>
+        <p:spPr>
+          <a:xfrm>
+            <a:off x="1628407" y="0"/>
+            <a:ext cx="4572000" cy="3430306"/>
+          </a:xfrm>
+          <a:prstGeom prst="rect">
+            <a:avLst/>
+          </a:prstGeom>
+        </p:spPr>
+      </p:pic>
+      <p:pic>
+        <p:nvPicPr>
+          <p:cNvPr id="3" name="Picture 2"/>
+          <p:cNvPicPr>
+            <a:picLocks noChangeAspect="1"/>
+          </p:cNvPicPr>
+          <p:nvPr/>
+        </p:nvPicPr>
+        <p:blipFill>
+          <a:blip r:embed="rId3"/>
+          <a:stretch>
+            <a:fillRect/>
+          </a:stretch>
+        </p:blipFill>
+        <p:spPr>
+          <a:xfrm>
+            <a:off x="6545943" y="0"/>
+            <a:ext cx="4572000" cy="3430306"/>
+          </a:xfrm>
+          <a:prstGeom prst="rect">
+            <a:avLst/>
+          </a:prstGeom>
+        </p:spPr>
+      </p:pic>
+      <p:pic>
+        <p:nvPicPr>
+          <p:cNvPr id="4" name="Picture 3"/>
           <p:cNvPicPr>
             <a:picLocks noChangeAspect="1"/>
           </p:cNvPicPr>
@@ -3997,7 +4204,7 @@
         </p:blipFill>
         <p:spPr>
           <a:xfrm>
-            <a:off x="1436914" y="3430306"/>
+            <a:off x="1628407" y="3427694"/>
             <a:ext cx="4572000" cy="3430306"/>
           </a:xfrm>
           <a:prstGeom prst="rect">
@@ -4007,7 +4214,7 @@
       </p:pic>
       <p:pic>
         <p:nvPicPr>
-          <p:cNvPr id="4" name="Picture 3"/>
+          <p:cNvPr id="5" name="Picture 4"/>
           <p:cNvPicPr>
             <a:picLocks noChangeAspect="1"/>
           </p:cNvPicPr>
@@ -4021,7 +4228,7 @@
         </p:blipFill>
         <p:spPr>
           <a:xfrm>
-            <a:off x="6276975" y="3427694"/>
+            <a:off x="6545943" y="3427694"/>
             <a:ext cx="4572000" cy="3430306"/>
           </a:xfrm>
           <a:prstGeom prst="rect">
@@ -4029,41 +4236,10 @@
           </a:prstGeom>
         </p:spPr>
       </p:pic>
-      <p:sp>
-        <p:nvSpPr>
-          <p:cNvPr id="6" name="TextBox 5"/>
-          <p:cNvSpPr txBox="1"/>
-          <p:nvPr/>
-        </p:nvSpPr>
-        <p:spPr>
-          <a:xfrm>
-            <a:off x="6986659" y="4820987"/>
-            <a:ext cx="3152632" cy="646331"/>
-          </a:xfrm>
-          <a:prstGeom prst="rect">
-            <a:avLst/>
-          </a:prstGeom>
-          <a:noFill/>
-        </p:spPr>
-        <p:txBody>
-          <a:bodyPr wrap="square" rtlCol="0">
-            <a:spAutoFit/>
-          </a:bodyPr>
-          <a:lstStyle/>
-          <a:p>
-            <a:pPr algn="ctr"/>
-            <a:r>
-              <a:rPr lang="en-US" altLang="zh-TW" dirty="0" smtClean="0"/>
-              <a:t>Solution quality is not better with finer grid!!</a:t>
-            </a:r>
-            <a:endParaRPr lang="zh-TW" altLang="en-US" dirty="0"/>
-          </a:p>
-        </p:txBody>
-      </p:sp>
     </p:spTree>
     <p:extLst>
       <p:ext uri="{BB962C8B-B14F-4D97-AF65-F5344CB8AC3E}">
-        <p14:creationId xmlns:p14="http://schemas.microsoft.com/office/powerpoint/2010/main" val="2687857575"/>
+        <p14:creationId xmlns:p14="http://schemas.microsoft.com/office/powerpoint/2010/main" val="4072812127"/>
       </p:ext>
     </p:extLst>
   </p:cSld>

--- a/Presentation1.pptx
+++ b/Presentation1.pptx
@@ -3330,7 +3330,7 @@
       </p:grpSpPr>
       <p:pic>
         <p:nvPicPr>
-          <p:cNvPr id="4" name="Picture 3"/>
+          <p:cNvPr id="3" name="Picture 2"/>
           <p:cNvPicPr>
             <a:picLocks noChangeAspect="1"/>
           </p:cNvPicPr>
@@ -3344,8 +3344,8 @@
         </p:blipFill>
         <p:spPr>
           <a:xfrm>
-            <a:off x="133350" y="871536"/>
-            <a:ext cx="6172200" cy="4630913"/>
+            <a:off x="0" y="1052511"/>
+            <a:ext cx="6172200" cy="4630914"/>
           </a:xfrm>
           <a:prstGeom prst="rect">
             <a:avLst/>
@@ -3354,7 +3354,7 @@
       </p:pic>
       <p:pic>
         <p:nvPicPr>
-          <p:cNvPr id="3" name="Picture 2"/>
+          <p:cNvPr id="4" name="Picture 3"/>
           <p:cNvPicPr>
             <a:picLocks noChangeAspect="1"/>
           </p:cNvPicPr>
@@ -3368,8 +3368,8 @@
         </p:blipFill>
         <p:spPr>
           <a:xfrm>
-            <a:off x="5974080" y="871536"/>
-            <a:ext cx="6172200" cy="4630914"/>
+            <a:off x="6019800" y="1052511"/>
+            <a:ext cx="6172200" cy="4630913"/>
           </a:xfrm>
           <a:prstGeom prst="rect">
             <a:avLst/>

--- a/Presentation1.pptx
+++ b/Presentation1.pptx
@@ -13,6 +13,8 @@
     <p:sldId id="260" r:id="rId7"/>
     <p:sldId id="261" r:id="rId8"/>
     <p:sldId id="264" r:id="rId9"/>
+    <p:sldId id="265" r:id="rId10"/>
+    <p:sldId id="266" r:id="rId11"/>
   </p:sldIdLst>
   <p:sldSz cx="12192000" cy="6858000"/>
   <p:notesSz cx="7315200" cy="9601200"/>
@@ -250,7 +252,7 @@
           <a:p>
             <a:fld id="{D638DB22-397D-48F1-BDCF-E66CBFA46A5C}" type="datetimeFigureOut">
               <a:rPr lang="zh-TW" altLang="en-US" smtClean="0"/>
-              <a:t>2015/11/13</a:t>
+              <a:t>2015/11/17</a:t>
             </a:fld>
             <a:endParaRPr lang="zh-TW" altLang="en-US"/>
           </a:p>
@@ -420,7 +422,7 @@
           <a:p>
             <a:fld id="{D638DB22-397D-48F1-BDCF-E66CBFA46A5C}" type="datetimeFigureOut">
               <a:rPr lang="zh-TW" altLang="en-US" smtClean="0"/>
-              <a:t>2015/11/13</a:t>
+              <a:t>2015/11/17</a:t>
             </a:fld>
             <a:endParaRPr lang="zh-TW" altLang="en-US"/>
           </a:p>
@@ -600,7 +602,7 @@
           <a:p>
             <a:fld id="{D638DB22-397D-48F1-BDCF-E66CBFA46A5C}" type="datetimeFigureOut">
               <a:rPr lang="zh-TW" altLang="en-US" smtClean="0"/>
-              <a:t>2015/11/13</a:t>
+              <a:t>2015/11/17</a:t>
             </a:fld>
             <a:endParaRPr lang="zh-TW" altLang="en-US"/>
           </a:p>
@@ -770,7 +772,7 @@
           <a:p>
             <a:fld id="{D638DB22-397D-48F1-BDCF-E66CBFA46A5C}" type="datetimeFigureOut">
               <a:rPr lang="zh-TW" altLang="en-US" smtClean="0"/>
-              <a:t>2015/11/13</a:t>
+              <a:t>2015/11/17</a:t>
             </a:fld>
             <a:endParaRPr lang="zh-TW" altLang="en-US"/>
           </a:p>
@@ -1016,7 +1018,7 @@
           <a:p>
             <a:fld id="{D638DB22-397D-48F1-BDCF-E66CBFA46A5C}" type="datetimeFigureOut">
               <a:rPr lang="zh-TW" altLang="en-US" smtClean="0"/>
-              <a:t>2015/11/13</a:t>
+              <a:t>2015/11/17</a:t>
             </a:fld>
             <a:endParaRPr lang="zh-TW" altLang="en-US"/>
           </a:p>
@@ -1248,7 +1250,7 @@
           <a:p>
             <a:fld id="{D638DB22-397D-48F1-BDCF-E66CBFA46A5C}" type="datetimeFigureOut">
               <a:rPr lang="zh-TW" altLang="en-US" smtClean="0"/>
-              <a:t>2015/11/13</a:t>
+              <a:t>2015/11/17</a:t>
             </a:fld>
             <a:endParaRPr lang="zh-TW" altLang="en-US"/>
           </a:p>
@@ -1615,7 +1617,7 @@
           <a:p>
             <a:fld id="{D638DB22-397D-48F1-BDCF-E66CBFA46A5C}" type="datetimeFigureOut">
               <a:rPr lang="zh-TW" altLang="en-US" smtClean="0"/>
-              <a:t>2015/11/13</a:t>
+              <a:t>2015/11/17</a:t>
             </a:fld>
             <a:endParaRPr lang="zh-TW" altLang="en-US"/>
           </a:p>
@@ -1733,7 +1735,7 @@
           <a:p>
             <a:fld id="{D638DB22-397D-48F1-BDCF-E66CBFA46A5C}" type="datetimeFigureOut">
               <a:rPr lang="zh-TW" altLang="en-US" smtClean="0"/>
-              <a:t>2015/11/13</a:t>
+              <a:t>2015/11/17</a:t>
             </a:fld>
             <a:endParaRPr lang="zh-TW" altLang="en-US"/>
           </a:p>
@@ -1828,7 +1830,7 @@
           <a:p>
             <a:fld id="{D638DB22-397D-48F1-BDCF-E66CBFA46A5C}" type="datetimeFigureOut">
               <a:rPr lang="zh-TW" altLang="en-US" smtClean="0"/>
-              <a:t>2015/11/13</a:t>
+              <a:t>2015/11/17</a:t>
             </a:fld>
             <a:endParaRPr lang="zh-TW" altLang="en-US"/>
           </a:p>
@@ -2105,7 +2107,7 @@
           <a:p>
             <a:fld id="{D638DB22-397D-48F1-BDCF-E66CBFA46A5C}" type="datetimeFigureOut">
               <a:rPr lang="zh-TW" altLang="en-US" smtClean="0"/>
-              <a:t>2015/11/13</a:t>
+              <a:t>2015/11/17</a:t>
             </a:fld>
             <a:endParaRPr lang="zh-TW" altLang="en-US"/>
           </a:p>
@@ -2358,7 +2360,7 @@
           <a:p>
             <a:fld id="{D638DB22-397D-48F1-BDCF-E66CBFA46A5C}" type="datetimeFigureOut">
               <a:rPr lang="zh-TW" altLang="en-US" smtClean="0"/>
-              <a:t>2015/11/13</a:t>
+              <a:t>2015/11/17</a:t>
             </a:fld>
             <a:endParaRPr lang="zh-TW" altLang="en-US"/>
           </a:p>
@@ -2571,7 +2573,7 @@
           <a:p>
             <a:fld id="{D638DB22-397D-48F1-BDCF-E66CBFA46A5C}" type="datetimeFigureOut">
               <a:rPr lang="zh-TW" altLang="en-US" smtClean="0"/>
-              <a:t>2015/11/13</a:t>
+              <a:t>2015/11/17</a:t>
             </a:fld>
             <a:endParaRPr lang="zh-TW" altLang="en-US"/>
           </a:p>
@@ -3044,6 +3046,108 @@
 </p:sld>
 </file>
 
+<file path=ppt/slides/slide10.xml><?xml version="1.0" encoding="utf-8"?>
+<p:sld xmlns:a="http://schemas.openxmlformats.org/drawingml/2006/main" xmlns:r="http://schemas.openxmlformats.org/officeDocument/2006/relationships" xmlns:p="http://schemas.openxmlformats.org/presentationml/2006/main">
+  <p:cSld>
+    <p:spTree>
+      <p:nvGrpSpPr>
+        <p:cNvPr id="1" name=""/>
+        <p:cNvGrpSpPr/>
+        <p:nvPr/>
+      </p:nvGrpSpPr>
+      <p:grpSpPr>
+        <a:xfrm>
+          <a:off x="0" y="0"/>
+          <a:ext cx="0" cy="0"/>
+          <a:chOff x="0" y="0"/>
+          <a:chExt cx="0" cy="0"/>
+        </a:xfrm>
+      </p:grpSpPr>
+      <p:pic>
+        <p:nvPicPr>
+          <p:cNvPr id="2" name="Picture 1"/>
+          <p:cNvPicPr>
+            <a:picLocks noChangeAspect="1"/>
+          </p:cNvPicPr>
+          <p:nvPr/>
+        </p:nvPicPr>
+        <p:blipFill>
+          <a:blip r:embed="rId2"/>
+          <a:stretch>
+            <a:fillRect/>
+          </a:stretch>
+        </p:blipFill>
+        <p:spPr>
+          <a:xfrm>
+            <a:off x="8132239" y="0"/>
+            <a:ext cx="4050456" cy="6858000"/>
+          </a:xfrm>
+          <a:prstGeom prst="rect">
+            <a:avLst/>
+          </a:prstGeom>
+        </p:spPr>
+      </p:pic>
+      <p:pic>
+        <p:nvPicPr>
+          <p:cNvPr id="4" name="Picture 3"/>
+          <p:cNvPicPr>
+            <a:picLocks noChangeAspect="1"/>
+          </p:cNvPicPr>
+          <p:nvPr/>
+        </p:nvPicPr>
+        <p:blipFill>
+          <a:blip r:embed="rId3"/>
+          <a:stretch>
+            <a:fillRect/>
+          </a:stretch>
+        </p:blipFill>
+        <p:spPr>
+          <a:xfrm>
+            <a:off x="1" y="1"/>
+            <a:ext cx="4050456" cy="6858000"/>
+          </a:xfrm>
+          <a:prstGeom prst="rect">
+            <a:avLst/>
+          </a:prstGeom>
+        </p:spPr>
+      </p:pic>
+      <p:pic>
+        <p:nvPicPr>
+          <p:cNvPr id="5" name="Picture 4"/>
+          <p:cNvPicPr>
+            <a:picLocks noChangeAspect="1"/>
+          </p:cNvPicPr>
+          <p:nvPr/>
+        </p:nvPicPr>
+        <p:blipFill>
+          <a:blip r:embed="rId4"/>
+          <a:stretch>
+            <a:fillRect/>
+          </a:stretch>
+        </p:blipFill>
+        <p:spPr>
+          <a:xfrm>
+            <a:off x="4050457" y="0"/>
+            <a:ext cx="4050456" cy="6858000"/>
+          </a:xfrm>
+          <a:prstGeom prst="rect">
+            <a:avLst/>
+          </a:prstGeom>
+        </p:spPr>
+      </p:pic>
+    </p:spTree>
+    <p:extLst>
+      <p:ext uri="{BB962C8B-B14F-4D97-AF65-F5344CB8AC3E}">
+        <p14:creationId xmlns:p14="http://schemas.microsoft.com/office/powerpoint/2010/main" val="1297608120"/>
+      </p:ext>
+    </p:extLst>
+  </p:cSld>
+  <p:clrMapOvr>
+    <a:masterClrMapping/>
+  </p:clrMapOvr>
+</p:sld>
+</file>
+
 <file path=ppt/slides/slide2.xml><?xml version="1.0" encoding="utf-8"?>
 <p:sld xmlns:a="http://schemas.openxmlformats.org/drawingml/2006/main" xmlns:r="http://schemas.openxmlformats.org/officeDocument/2006/relationships" xmlns:p="http://schemas.openxmlformats.org/presentationml/2006/main">
   <p:cSld>
@@ -4093,11 +4197,7 @@
             <a:pPr algn="ctr"/>
             <a:r>
               <a:rPr lang="en-US" altLang="zh-TW" dirty="0" smtClean="0"/>
-              <a:t>Solution quality is not better with finer </a:t>
-            </a:r>
-            <a:r>
-              <a:rPr lang="en-US" altLang="zh-TW" dirty="0" smtClean="0"/>
-              <a:t>grid:(</a:t>
+              <a:t>Solution quality is not better with finer grid:(</a:t>
             </a:r>
             <a:endParaRPr lang="zh-TW" altLang="en-US" dirty="0"/>
           </a:p>
@@ -4240,6 +4340,60 @@
     <p:extLst>
       <p:ext uri="{BB962C8B-B14F-4D97-AF65-F5344CB8AC3E}">
         <p14:creationId xmlns:p14="http://schemas.microsoft.com/office/powerpoint/2010/main" val="4072812127"/>
+      </p:ext>
+    </p:extLst>
+  </p:cSld>
+  <p:clrMapOvr>
+    <a:masterClrMapping/>
+  </p:clrMapOvr>
+</p:sld>
+</file>
+
+<file path=ppt/slides/slide9.xml><?xml version="1.0" encoding="utf-8"?>
+<p:sld xmlns:a="http://schemas.openxmlformats.org/drawingml/2006/main" xmlns:r="http://schemas.openxmlformats.org/officeDocument/2006/relationships" xmlns:p="http://schemas.openxmlformats.org/presentationml/2006/main">
+  <p:cSld>
+    <p:spTree>
+      <p:nvGrpSpPr>
+        <p:cNvPr id="1" name=""/>
+        <p:cNvGrpSpPr/>
+        <p:nvPr/>
+      </p:nvGrpSpPr>
+      <p:grpSpPr>
+        <a:xfrm>
+          <a:off x="0" y="0"/>
+          <a:ext cx="0" cy="0"/>
+          <a:chOff x="0" y="0"/>
+          <a:chExt cx="0" cy="0"/>
+        </a:xfrm>
+      </p:grpSpPr>
+      <p:pic>
+        <p:nvPicPr>
+          <p:cNvPr id="2" name="Picture 1"/>
+          <p:cNvPicPr>
+            <a:picLocks noChangeAspect="1"/>
+          </p:cNvPicPr>
+          <p:nvPr/>
+        </p:nvPicPr>
+        <p:blipFill>
+          <a:blip r:embed="rId2"/>
+          <a:stretch>
+            <a:fillRect/>
+          </a:stretch>
+        </p:blipFill>
+        <p:spPr>
+          <a:xfrm>
+            <a:off x="1927224" y="0"/>
+            <a:ext cx="9140518" cy="6858000"/>
+          </a:xfrm>
+          <a:prstGeom prst="rect">
+            <a:avLst/>
+          </a:prstGeom>
+        </p:spPr>
+      </p:pic>
+    </p:spTree>
+    <p:extLst>
+      <p:ext uri="{BB962C8B-B14F-4D97-AF65-F5344CB8AC3E}">
+        <p14:creationId xmlns:p14="http://schemas.microsoft.com/office/powerpoint/2010/main" val="3232639814"/>
       </p:ext>
     </p:extLst>
   </p:cSld>

--- a/Presentation1.pptx
+++ b/Presentation1.pptx
@@ -15,6 +15,8 @@
     <p:sldId id="264" r:id="rId9"/>
     <p:sldId id="265" r:id="rId10"/>
     <p:sldId id="266" r:id="rId11"/>
+    <p:sldId id="267" r:id="rId12"/>
+    <p:sldId id="268" r:id="rId13"/>
   </p:sldIdLst>
   <p:sldSz cx="12192000" cy="6858000"/>
   <p:notesSz cx="7315200" cy="9601200"/>
@@ -3079,7 +3081,7 @@
         </p:blipFill>
         <p:spPr>
           <a:xfrm>
-            <a:off x="8132239" y="0"/>
+            <a:off x="8141544" y="0"/>
             <a:ext cx="4050456" cy="6858000"/>
           </a:xfrm>
           <a:prstGeom prst="rect">
@@ -3139,6 +3141,176 @@
     <p:extLst>
       <p:ext uri="{BB962C8B-B14F-4D97-AF65-F5344CB8AC3E}">
         <p14:creationId xmlns:p14="http://schemas.microsoft.com/office/powerpoint/2010/main" val="1297608120"/>
+      </p:ext>
+    </p:extLst>
+  </p:cSld>
+  <p:clrMapOvr>
+    <a:masterClrMapping/>
+  </p:clrMapOvr>
+  <p:timing>
+    <p:tnLst>
+      <p:par>
+        <p:cTn id="1" dur="indefinite" restart="never" nodeType="tmRoot"/>
+      </p:par>
+    </p:tnLst>
+  </p:timing>
+</p:sld>
+</file>
+
+<file path=ppt/slides/slide11.xml><?xml version="1.0" encoding="utf-8"?>
+<p:sld xmlns:a="http://schemas.openxmlformats.org/drawingml/2006/main" xmlns:r="http://schemas.openxmlformats.org/officeDocument/2006/relationships" xmlns:p="http://schemas.openxmlformats.org/presentationml/2006/main">
+  <p:cSld>
+    <p:spTree>
+      <p:nvGrpSpPr>
+        <p:cNvPr id="1" name=""/>
+        <p:cNvGrpSpPr/>
+        <p:nvPr/>
+      </p:nvGrpSpPr>
+      <p:grpSpPr>
+        <a:xfrm>
+          <a:off x="0" y="0"/>
+          <a:ext cx="0" cy="0"/>
+          <a:chOff x="0" y="0"/>
+          <a:chExt cx="0" cy="0"/>
+        </a:xfrm>
+      </p:grpSpPr>
+      <p:pic>
+        <p:nvPicPr>
+          <p:cNvPr id="6" name="Picture 5"/>
+          <p:cNvPicPr>
+            <a:picLocks noChangeAspect="1"/>
+          </p:cNvPicPr>
+          <p:nvPr/>
+        </p:nvPicPr>
+        <p:blipFill>
+          <a:blip r:embed="rId2"/>
+          <a:stretch>
+            <a:fillRect/>
+          </a:stretch>
+        </p:blipFill>
+        <p:spPr>
+          <a:xfrm>
+            <a:off x="0" y="0"/>
+            <a:ext cx="4050455" cy="6858000"/>
+          </a:xfrm>
+          <a:prstGeom prst="rect">
+            <a:avLst/>
+          </a:prstGeom>
+        </p:spPr>
+      </p:pic>
+      <p:pic>
+        <p:nvPicPr>
+          <p:cNvPr id="7" name="Picture 6"/>
+          <p:cNvPicPr>
+            <a:picLocks noChangeAspect="1"/>
+          </p:cNvPicPr>
+          <p:nvPr/>
+        </p:nvPicPr>
+        <p:blipFill>
+          <a:blip r:embed="rId3"/>
+          <a:stretch>
+            <a:fillRect/>
+          </a:stretch>
+        </p:blipFill>
+        <p:spPr>
+          <a:xfrm>
+            <a:off x="4050455" y="0"/>
+            <a:ext cx="4050456" cy="6858000"/>
+          </a:xfrm>
+          <a:prstGeom prst="rect">
+            <a:avLst/>
+          </a:prstGeom>
+        </p:spPr>
+      </p:pic>
+      <p:pic>
+        <p:nvPicPr>
+          <p:cNvPr id="8" name="Picture 7"/>
+          <p:cNvPicPr>
+            <a:picLocks noChangeAspect="1"/>
+          </p:cNvPicPr>
+          <p:nvPr/>
+        </p:nvPicPr>
+        <p:blipFill>
+          <a:blip r:embed="rId4"/>
+          <a:stretch>
+            <a:fillRect/>
+          </a:stretch>
+        </p:blipFill>
+        <p:spPr>
+          <a:xfrm>
+            <a:off x="8141544" y="0"/>
+            <a:ext cx="4050456" cy="6858000"/>
+          </a:xfrm>
+          <a:prstGeom prst="rect">
+            <a:avLst/>
+          </a:prstGeom>
+        </p:spPr>
+      </p:pic>
+    </p:spTree>
+    <p:extLst>
+      <p:ext uri="{BB962C8B-B14F-4D97-AF65-F5344CB8AC3E}">
+        <p14:creationId xmlns:p14="http://schemas.microsoft.com/office/powerpoint/2010/main" val="1797951285"/>
+      </p:ext>
+    </p:extLst>
+  </p:cSld>
+  <p:clrMapOvr>
+    <a:masterClrMapping/>
+  </p:clrMapOvr>
+  <p:timing>
+    <p:tnLst>
+      <p:par>
+        <p:cTn id="1" dur="indefinite" restart="never" nodeType="tmRoot"/>
+      </p:par>
+    </p:tnLst>
+  </p:timing>
+</p:sld>
+</file>
+
+<file path=ppt/slides/slide12.xml><?xml version="1.0" encoding="utf-8"?>
+<p:sld xmlns:a="http://schemas.openxmlformats.org/drawingml/2006/main" xmlns:r="http://schemas.openxmlformats.org/officeDocument/2006/relationships" xmlns:p="http://schemas.openxmlformats.org/presentationml/2006/main">
+  <p:cSld>
+    <p:spTree>
+      <p:nvGrpSpPr>
+        <p:cNvPr id="1" name=""/>
+        <p:cNvGrpSpPr/>
+        <p:nvPr/>
+      </p:nvGrpSpPr>
+      <p:grpSpPr>
+        <a:xfrm>
+          <a:off x="0" y="0"/>
+          <a:ext cx="0" cy="0"/>
+          <a:chOff x="0" y="0"/>
+          <a:chExt cx="0" cy="0"/>
+        </a:xfrm>
+      </p:grpSpPr>
+      <p:pic>
+        <p:nvPicPr>
+          <p:cNvPr id="3" name="Picture 2"/>
+          <p:cNvPicPr>
+            <a:picLocks noChangeAspect="1"/>
+          </p:cNvPicPr>
+          <p:nvPr/>
+        </p:nvPicPr>
+        <p:blipFill>
+          <a:blip r:embed="rId2"/>
+          <a:stretch>
+            <a:fillRect/>
+          </a:stretch>
+        </p:blipFill>
+        <p:spPr>
+          <a:xfrm>
+            <a:off x="0" y="0"/>
+            <a:ext cx="4050456" cy="6858000"/>
+          </a:xfrm>
+          <a:prstGeom prst="rect">
+            <a:avLst/>
+          </a:prstGeom>
+        </p:spPr>
+      </p:pic>
+    </p:spTree>
+    <p:extLst>
+      <p:ext uri="{BB962C8B-B14F-4D97-AF65-F5344CB8AC3E}">
+        <p14:creationId xmlns:p14="http://schemas.microsoft.com/office/powerpoint/2010/main" val="177625073"/>
       </p:ext>
     </p:extLst>
   </p:cSld>
@@ -4400,6 +4572,13 @@
   <p:clrMapOvr>
     <a:masterClrMapping/>
   </p:clrMapOvr>
+  <p:timing>
+    <p:tnLst>
+      <p:par>
+        <p:cTn id="1" dur="indefinite" restart="never" nodeType="tmRoot"/>
+      </p:par>
+    </p:tnLst>
+  </p:timing>
 </p:sld>
 </file>
 

--- a/Presentation1.pptx
+++ b/Presentation1.pptx
@@ -11,12 +11,13 @@
     <p:sldId id="263" r:id="rId5"/>
     <p:sldId id="259" r:id="rId6"/>
     <p:sldId id="260" r:id="rId7"/>
-    <p:sldId id="261" r:id="rId8"/>
-    <p:sldId id="264" r:id="rId9"/>
-    <p:sldId id="265" r:id="rId10"/>
+    <p:sldId id="269" r:id="rId8"/>
+    <p:sldId id="261" r:id="rId9"/>
+    <p:sldId id="264" r:id="rId10"/>
     <p:sldId id="266" r:id="rId11"/>
-    <p:sldId id="267" r:id="rId12"/>
-    <p:sldId id="268" r:id="rId13"/>
+    <p:sldId id="265" r:id="rId12"/>
+    <p:sldId id="267" r:id="rId13"/>
+    <p:sldId id="268" r:id="rId14"/>
   </p:sldIdLst>
   <p:sldSz cx="12192000" cy="6858000"/>
   <p:notesSz cx="7315200" cy="9601200"/>
@@ -254,7 +255,7 @@
           <a:p>
             <a:fld id="{D638DB22-397D-48F1-BDCF-E66CBFA46A5C}" type="datetimeFigureOut">
               <a:rPr lang="zh-TW" altLang="en-US" smtClean="0"/>
-              <a:t>2015/11/17</a:t>
+              <a:t>2015/12/21</a:t>
             </a:fld>
             <a:endParaRPr lang="zh-TW" altLang="en-US"/>
           </a:p>
@@ -424,7 +425,7 @@
           <a:p>
             <a:fld id="{D638DB22-397D-48F1-BDCF-E66CBFA46A5C}" type="datetimeFigureOut">
               <a:rPr lang="zh-TW" altLang="en-US" smtClean="0"/>
-              <a:t>2015/11/17</a:t>
+              <a:t>2015/12/21</a:t>
             </a:fld>
             <a:endParaRPr lang="zh-TW" altLang="en-US"/>
           </a:p>
@@ -604,7 +605,7 @@
           <a:p>
             <a:fld id="{D638DB22-397D-48F1-BDCF-E66CBFA46A5C}" type="datetimeFigureOut">
               <a:rPr lang="zh-TW" altLang="en-US" smtClean="0"/>
-              <a:t>2015/11/17</a:t>
+              <a:t>2015/12/21</a:t>
             </a:fld>
             <a:endParaRPr lang="zh-TW" altLang="en-US"/>
           </a:p>
@@ -774,7 +775,7 @@
           <a:p>
             <a:fld id="{D638DB22-397D-48F1-BDCF-E66CBFA46A5C}" type="datetimeFigureOut">
               <a:rPr lang="zh-TW" altLang="en-US" smtClean="0"/>
-              <a:t>2015/11/17</a:t>
+              <a:t>2015/12/21</a:t>
             </a:fld>
             <a:endParaRPr lang="zh-TW" altLang="en-US"/>
           </a:p>
@@ -1020,7 +1021,7 @@
           <a:p>
             <a:fld id="{D638DB22-397D-48F1-BDCF-E66CBFA46A5C}" type="datetimeFigureOut">
               <a:rPr lang="zh-TW" altLang="en-US" smtClean="0"/>
-              <a:t>2015/11/17</a:t>
+              <a:t>2015/12/21</a:t>
             </a:fld>
             <a:endParaRPr lang="zh-TW" altLang="en-US"/>
           </a:p>
@@ -1252,7 +1253,7 @@
           <a:p>
             <a:fld id="{D638DB22-397D-48F1-BDCF-E66CBFA46A5C}" type="datetimeFigureOut">
               <a:rPr lang="zh-TW" altLang="en-US" smtClean="0"/>
-              <a:t>2015/11/17</a:t>
+              <a:t>2015/12/21</a:t>
             </a:fld>
             <a:endParaRPr lang="zh-TW" altLang="en-US"/>
           </a:p>
@@ -1619,7 +1620,7 @@
           <a:p>
             <a:fld id="{D638DB22-397D-48F1-BDCF-E66CBFA46A5C}" type="datetimeFigureOut">
               <a:rPr lang="zh-TW" altLang="en-US" smtClean="0"/>
-              <a:t>2015/11/17</a:t>
+              <a:t>2015/12/21</a:t>
             </a:fld>
             <a:endParaRPr lang="zh-TW" altLang="en-US"/>
           </a:p>
@@ -1737,7 +1738,7 @@
           <a:p>
             <a:fld id="{D638DB22-397D-48F1-BDCF-E66CBFA46A5C}" type="datetimeFigureOut">
               <a:rPr lang="zh-TW" altLang="en-US" smtClean="0"/>
-              <a:t>2015/11/17</a:t>
+              <a:t>2015/12/21</a:t>
             </a:fld>
             <a:endParaRPr lang="zh-TW" altLang="en-US"/>
           </a:p>
@@ -1832,7 +1833,7 @@
           <a:p>
             <a:fld id="{D638DB22-397D-48F1-BDCF-E66CBFA46A5C}" type="datetimeFigureOut">
               <a:rPr lang="zh-TW" altLang="en-US" smtClean="0"/>
-              <a:t>2015/11/17</a:t>
+              <a:t>2015/12/21</a:t>
             </a:fld>
             <a:endParaRPr lang="zh-TW" altLang="en-US"/>
           </a:p>
@@ -2109,7 +2110,7 @@
           <a:p>
             <a:fld id="{D638DB22-397D-48F1-BDCF-E66CBFA46A5C}" type="datetimeFigureOut">
               <a:rPr lang="zh-TW" altLang="en-US" smtClean="0"/>
-              <a:t>2015/11/17</a:t>
+              <a:t>2015/12/21</a:t>
             </a:fld>
             <a:endParaRPr lang="zh-TW" altLang="en-US"/>
           </a:p>
@@ -2362,7 +2363,7 @@
           <a:p>
             <a:fld id="{D638DB22-397D-48F1-BDCF-E66CBFA46A5C}" type="datetimeFigureOut">
               <a:rPr lang="zh-TW" altLang="en-US" smtClean="0"/>
-              <a:t>2015/11/17</a:t>
+              <a:t>2015/12/21</a:t>
             </a:fld>
             <a:endParaRPr lang="zh-TW" altLang="en-US"/>
           </a:p>
@@ -2575,7 +2576,7 @@
           <a:p>
             <a:fld id="{D638DB22-397D-48F1-BDCF-E66CBFA46A5C}" type="datetimeFigureOut">
               <a:rPr lang="zh-TW" altLang="en-US" smtClean="0"/>
-              <a:t>2015/11/17</a:t>
+              <a:t>2015/12/21</a:t>
             </a:fld>
             <a:endParaRPr lang="zh-TW" altLang="en-US"/>
           </a:p>
@@ -3176,7 +3177,7 @@
       </p:grpSpPr>
       <p:pic>
         <p:nvPicPr>
-          <p:cNvPr id="6" name="Picture 5"/>
+          <p:cNvPr id="2" name="Picture 1"/>
           <p:cNvPicPr>
             <a:picLocks noChangeAspect="1"/>
           </p:cNvPicPr>
@@ -3190,56 +3191,8 @@
         </p:blipFill>
         <p:spPr>
           <a:xfrm>
-            <a:off x="0" y="0"/>
-            <a:ext cx="4050455" cy="6858000"/>
-          </a:xfrm>
-          <a:prstGeom prst="rect">
-            <a:avLst/>
-          </a:prstGeom>
-        </p:spPr>
-      </p:pic>
-      <p:pic>
-        <p:nvPicPr>
-          <p:cNvPr id="7" name="Picture 6"/>
-          <p:cNvPicPr>
-            <a:picLocks noChangeAspect="1"/>
-          </p:cNvPicPr>
-          <p:nvPr/>
-        </p:nvPicPr>
-        <p:blipFill>
-          <a:blip r:embed="rId3"/>
-          <a:stretch>
-            <a:fillRect/>
-          </a:stretch>
-        </p:blipFill>
-        <p:spPr>
-          <a:xfrm>
-            <a:off x="4050455" y="0"/>
-            <a:ext cx="4050456" cy="6858000"/>
-          </a:xfrm>
-          <a:prstGeom prst="rect">
-            <a:avLst/>
-          </a:prstGeom>
-        </p:spPr>
-      </p:pic>
-      <p:pic>
-        <p:nvPicPr>
-          <p:cNvPr id="8" name="Picture 7"/>
-          <p:cNvPicPr>
-            <a:picLocks noChangeAspect="1"/>
-          </p:cNvPicPr>
-          <p:nvPr/>
-        </p:nvPicPr>
-        <p:blipFill>
-          <a:blip r:embed="rId4"/>
-          <a:stretch>
-            <a:fillRect/>
-          </a:stretch>
-        </p:blipFill>
-        <p:spPr>
-          <a:xfrm>
-            <a:off x="8141544" y="0"/>
-            <a:ext cx="4050456" cy="6858000"/>
+            <a:off x="1927224" y="0"/>
+            <a:ext cx="9140518" cy="6858000"/>
           </a:xfrm>
           <a:prstGeom prst="rect">
             <a:avLst/>
@@ -3249,7 +3202,7 @@
     </p:spTree>
     <p:extLst>
       <p:ext uri="{BB962C8B-B14F-4D97-AF65-F5344CB8AC3E}">
-        <p14:creationId xmlns:p14="http://schemas.microsoft.com/office/powerpoint/2010/main" val="1797951285"/>
+        <p14:creationId xmlns:p14="http://schemas.microsoft.com/office/powerpoint/2010/main" val="3232639814"/>
       </p:ext>
     </p:extLst>
   </p:cSld>
@@ -3285,7 +3238,7 @@
       </p:grpSpPr>
       <p:pic>
         <p:nvPicPr>
-          <p:cNvPr id="3" name="Picture 2"/>
+          <p:cNvPr id="6" name="Picture 5"/>
           <p:cNvPicPr>
             <a:picLocks noChangeAspect="1"/>
           </p:cNvPicPr>
@@ -3299,8 +3252,117 @@
         </p:blipFill>
         <p:spPr>
           <a:xfrm>
-            <a:off x="0" y="0"/>
-            <a:ext cx="4050456" cy="6858000"/>
+            <a:off x="419100" y="285750"/>
+            <a:ext cx="3712917" cy="6286500"/>
+          </a:xfrm>
+          <a:prstGeom prst="rect">
+            <a:avLst/>
+          </a:prstGeom>
+        </p:spPr>
+      </p:pic>
+      <p:pic>
+        <p:nvPicPr>
+          <p:cNvPr id="7" name="Picture 6"/>
+          <p:cNvPicPr>
+            <a:picLocks noChangeAspect="1"/>
+          </p:cNvPicPr>
+          <p:nvPr/>
+        </p:nvPicPr>
+        <p:blipFill>
+          <a:blip r:embed="rId3"/>
+          <a:stretch>
+            <a:fillRect/>
+          </a:stretch>
+        </p:blipFill>
+        <p:spPr>
+          <a:xfrm>
+            <a:off x="4141140" y="285750"/>
+            <a:ext cx="3712918" cy="6286500"/>
+          </a:xfrm>
+          <a:prstGeom prst="rect">
+            <a:avLst/>
+          </a:prstGeom>
+        </p:spPr>
+      </p:pic>
+      <p:pic>
+        <p:nvPicPr>
+          <p:cNvPr id="3" name="Picture 2"/>
+          <p:cNvPicPr>
+            <a:picLocks noChangeAspect="1"/>
+          </p:cNvPicPr>
+          <p:nvPr/>
+        </p:nvPicPr>
+        <p:blipFill>
+          <a:blip r:embed="rId4"/>
+          <a:stretch>
+            <a:fillRect/>
+          </a:stretch>
+        </p:blipFill>
+        <p:spPr>
+          <a:xfrm>
+            <a:off x="7863182" y="0"/>
+            <a:ext cx="4051823" cy="6858000"/>
+          </a:xfrm>
+          <a:prstGeom prst="rect">
+            <a:avLst/>
+          </a:prstGeom>
+        </p:spPr>
+      </p:pic>
+    </p:spTree>
+    <p:extLst>
+      <p:ext uri="{BB962C8B-B14F-4D97-AF65-F5344CB8AC3E}">
+        <p14:creationId xmlns:p14="http://schemas.microsoft.com/office/powerpoint/2010/main" val="1797951285"/>
+      </p:ext>
+    </p:extLst>
+  </p:cSld>
+  <p:clrMapOvr>
+    <a:masterClrMapping/>
+  </p:clrMapOvr>
+  <p:timing>
+    <p:tnLst>
+      <p:par>
+        <p:cTn id="1" dur="indefinite" restart="never" nodeType="tmRoot"/>
+      </p:par>
+    </p:tnLst>
+  </p:timing>
+</p:sld>
+</file>
+
+<file path=ppt/slides/slide13.xml><?xml version="1.0" encoding="utf-8"?>
+<p:sld xmlns:a="http://schemas.openxmlformats.org/drawingml/2006/main" xmlns:r="http://schemas.openxmlformats.org/officeDocument/2006/relationships" xmlns:p="http://schemas.openxmlformats.org/presentationml/2006/main">
+  <p:cSld>
+    <p:spTree>
+      <p:nvGrpSpPr>
+        <p:cNvPr id="1" name=""/>
+        <p:cNvGrpSpPr/>
+        <p:nvPr/>
+      </p:nvGrpSpPr>
+      <p:grpSpPr>
+        <a:xfrm>
+          <a:off x="0" y="0"/>
+          <a:ext cx="0" cy="0"/>
+          <a:chOff x="0" y="0"/>
+          <a:chExt cx="0" cy="0"/>
+        </a:xfrm>
+      </p:grpSpPr>
+      <p:pic>
+        <p:nvPicPr>
+          <p:cNvPr id="2" name="Picture 1"/>
+          <p:cNvPicPr>
+            <a:picLocks noChangeAspect="1"/>
+          </p:cNvPicPr>
+          <p:nvPr/>
+        </p:nvPicPr>
+        <p:blipFill>
+          <a:blip r:embed="rId2"/>
+          <a:stretch>
+            <a:fillRect/>
+          </a:stretch>
+        </p:blipFill>
+        <p:spPr>
+          <a:xfrm>
+            <a:off x="1928812" y="304800"/>
+            <a:ext cx="8334375" cy="6248400"/>
           </a:xfrm>
           <a:prstGeom prst="rect">
             <a:avLst/>
@@ -3567,6 +3629,36 @@
           </a:prstGeom>
         </p:spPr>
       </p:pic>
+      <p:sp>
+        <p:nvSpPr>
+          <p:cNvPr id="2" name="TextBox 1"/>
+          <p:cNvSpPr txBox="1"/>
+          <p:nvPr/>
+        </p:nvSpPr>
+        <p:spPr>
+          <a:xfrm>
+            <a:off x="0" y="0"/>
+            <a:ext cx="1953355" cy="584775"/>
+          </a:xfrm>
+          <a:prstGeom prst="rect">
+            <a:avLst/>
+          </a:prstGeom>
+          <a:noFill/>
+        </p:spPr>
+        <p:txBody>
+          <a:bodyPr wrap="none" rtlCol="0">
+            <a:spAutoFit/>
+          </a:bodyPr>
+          <a:lstStyle/>
+          <a:p>
+            <a:r>
+              <a:rPr lang="en-US" altLang="zh-TW" sz="3200" b="1" dirty="0" smtClean="0"/>
+              <a:t>Two units:</a:t>
+            </a:r>
+            <a:endParaRPr lang="zh-TW" altLang="en-US" sz="3200" b="1" dirty="0"/>
+          </a:p>
+        </p:txBody>
+      </p:sp>
     </p:spTree>
     <p:extLst>
       <p:ext uri="{BB962C8B-B14F-4D97-AF65-F5344CB8AC3E}">
@@ -4259,6 +4351,36 @@
           </a:p>
         </p:txBody>
       </p:sp>
+      <p:sp>
+        <p:nvSpPr>
+          <p:cNvPr id="13" name="TextBox 12"/>
+          <p:cNvSpPr txBox="1"/>
+          <p:nvPr/>
+        </p:nvSpPr>
+        <p:spPr>
+          <a:xfrm>
+            <a:off x="0" y="0"/>
+            <a:ext cx="1953355" cy="584775"/>
+          </a:xfrm>
+          <a:prstGeom prst="rect">
+            <a:avLst/>
+          </a:prstGeom>
+          <a:noFill/>
+        </p:spPr>
+        <p:txBody>
+          <a:bodyPr wrap="none" rtlCol="0">
+            <a:spAutoFit/>
+          </a:bodyPr>
+          <a:lstStyle/>
+          <a:p>
+            <a:r>
+              <a:rPr lang="en-US" altLang="zh-TW" sz="3200" b="1" dirty="0" smtClean="0"/>
+              <a:t>Two units:</a:t>
+            </a:r>
+            <a:endParaRPr lang="zh-TW" altLang="en-US" sz="3200" b="1" dirty="0"/>
+          </a:p>
+        </p:txBody>
+      </p:sp>
     </p:spTree>
     <p:extLst>
       <p:ext uri="{BB962C8B-B14F-4D97-AF65-F5344CB8AC3E}">
@@ -4296,9 +4418,39 @@
           <a:chExt cx="0" cy="0"/>
         </a:xfrm>
       </p:grpSpPr>
+      <p:sp>
+        <p:nvSpPr>
+          <p:cNvPr id="2" name="TextBox 1"/>
+          <p:cNvSpPr txBox="1"/>
+          <p:nvPr/>
+        </p:nvSpPr>
+        <p:spPr>
+          <a:xfrm>
+            <a:off x="0" y="0"/>
+            <a:ext cx="2215863" cy="584775"/>
+          </a:xfrm>
+          <a:prstGeom prst="rect">
+            <a:avLst/>
+          </a:prstGeom>
+          <a:noFill/>
+        </p:spPr>
+        <p:txBody>
+          <a:bodyPr wrap="none" rtlCol="0">
+            <a:spAutoFit/>
+          </a:bodyPr>
+          <a:lstStyle/>
+          <a:p>
+            <a:r>
+              <a:rPr lang="en-US" altLang="zh-TW" sz="3200" b="1" dirty="0" smtClean="0"/>
+              <a:t>Three units:</a:t>
+            </a:r>
+            <a:endParaRPr lang="zh-TW" altLang="en-US" sz="3200" b="1" dirty="0"/>
+          </a:p>
+        </p:txBody>
+      </p:sp>
       <p:pic>
         <p:nvPicPr>
-          <p:cNvPr id="8" name="Picture 7"/>
+          <p:cNvPr id="3" name="Picture 2"/>
           <p:cNvPicPr>
             <a:picLocks noChangeAspect="1"/>
           </p:cNvPicPr>
@@ -4312,86 +4464,24 @@
         </p:blipFill>
         <p:spPr>
           <a:xfrm>
-            <a:off x="1513114" y="1411006"/>
-            <a:ext cx="4572000" cy="3430306"/>
+            <a:off x="1554162" y="455083"/>
+            <a:ext cx="8334375" cy="6248400"/>
           </a:xfrm>
           <a:prstGeom prst="rect">
             <a:avLst/>
           </a:prstGeom>
         </p:spPr>
       </p:pic>
-      <p:pic>
-        <p:nvPicPr>
-          <p:cNvPr id="7" name="Picture 6"/>
-          <p:cNvPicPr>
-            <a:picLocks noChangeAspect="1"/>
-          </p:cNvPicPr>
-          <p:nvPr/>
-        </p:nvPicPr>
-        <p:blipFill>
-          <a:blip r:embed="rId3"/>
-          <a:stretch>
-            <a:fillRect/>
-          </a:stretch>
-        </p:blipFill>
-        <p:spPr>
-          <a:xfrm>
-            <a:off x="6353175" y="1408394"/>
-            <a:ext cx="4572000" cy="3430306"/>
-          </a:xfrm>
-          <a:prstGeom prst="rect">
-            <a:avLst/>
-          </a:prstGeom>
-        </p:spPr>
-      </p:pic>
-      <p:sp>
-        <p:nvSpPr>
-          <p:cNvPr id="6" name="TextBox 5"/>
-          <p:cNvSpPr txBox="1"/>
-          <p:nvPr/>
-        </p:nvSpPr>
-        <p:spPr>
-          <a:xfrm>
-            <a:off x="7129534" y="4838700"/>
-            <a:ext cx="3152632" cy="646331"/>
-          </a:xfrm>
-          <a:prstGeom prst="rect">
-            <a:avLst/>
-          </a:prstGeom>
-          <a:noFill/>
-        </p:spPr>
-        <p:txBody>
-          <a:bodyPr wrap="square" rtlCol="0">
-            <a:spAutoFit/>
-          </a:bodyPr>
-          <a:lstStyle/>
-          <a:p>
-            <a:pPr algn="ctr"/>
-            <a:r>
-              <a:rPr lang="en-US" altLang="zh-TW" dirty="0" smtClean="0"/>
-              <a:t>Solution quality is not better with finer grid:(</a:t>
-            </a:r>
-            <a:endParaRPr lang="zh-TW" altLang="en-US" dirty="0"/>
-          </a:p>
-        </p:txBody>
-      </p:sp>
     </p:spTree>
     <p:extLst>
       <p:ext uri="{BB962C8B-B14F-4D97-AF65-F5344CB8AC3E}">
-        <p14:creationId xmlns:p14="http://schemas.microsoft.com/office/powerpoint/2010/main" val="2687857575"/>
+        <p14:creationId xmlns:p14="http://schemas.microsoft.com/office/powerpoint/2010/main" val="4116339452"/>
       </p:ext>
     </p:extLst>
   </p:cSld>
   <p:clrMapOvr>
     <a:masterClrMapping/>
   </p:clrMapOvr>
-  <p:timing>
-    <p:tnLst>
-      <p:par>
-        <p:cTn id="1" dur="indefinite" restart="never" nodeType="tmRoot"/>
-      </p:par>
-    </p:tnLst>
-  </p:timing>
 </p:sld>
 </file>
 
@@ -4414,7 +4504,7 @@
       </p:grpSpPr>
       <p:pic>
         <p:nvPicPr>
-          <p:cNvPr id="2" name="Picture 1"/>
+          <p:cNvPr id="8" name="Picture 7"/>
           <p:cNvPicPr>
             <a:picLocks noChangeAspect="1"/>
           </p:cNvPicPr>
@@ -4428,7 +4518,7 @@
         </p:blipFill>
         <p:spPr>
           <a:xfrm>
-            <a:off x="1628407" y="0"/>
+            <a:off x="1513114" y="1411006"/>
             <a:ext cx="4572000" cy="3430306"/>
           </a:xfrm>
           <a:prstGeom prst="rect">
@@ -4438,7 +4528,7 @@
       </p:pic>
       <p:pic>
         <p:nvPicPr>
-          <p:cNvPr id="3" name="Picture 2"/>
+          <p:cNvPr id="7" name="Picture 6"/>
           <p:cNvPicPr>
             <a:picLocks noChangeAspect="1"/>
           </p:cNvPicPr>
@@ -4452,7 +4542,7 @@
         </p:blipFill>
         <p:spPr>
           <a:xfrm>
-            <a:off x="6545943" y="0"/>
+            <a:off x="6353175" y="1408394"/>
             <a:ext cx="4572000" cy="3430306"/>
           </a:xfrm>
           <a:prstGeom prst="rect">
@@ -4460,64 +4550,54 @@
           </a:prstGeom>
         </p:spPr>
       </p:pic>
-      <p:pic>
-        <p:nvPicPr>
-          <p:cNvPr id="4" name="Picture 3"/>
-          <p:cNvPicPr>
-            <a:picLocks noChangeAspect="1"/>
-          </p:cNvPicPr>
+      <p:sp>
+        <p:nvSpPr>
+          <p:cNvPr id="6" name="TextBox 5"/>
+          <p:cNvSpPr txBox="1"/>
           <p:nvPr/>
-        </p:nvPicPr>
-        <p:blipFill>
-          <a:blip r:embed="rId4"/>
-          <a:stretch>
-            <a:fillRect/>
-          </a:stretch>
-        </p:blipFill>
-        <p:spPr>
-          <a:xfrm>
-            <a:off x="1628407" y="3427694"/>
-            <a:ext cx="4572000" cy="3430306"/>
+        </p:nvSpPr>
+        <p:spPr>
+          <a:xfrm>
+            <a:off x="7129534" y="4838700"/>
+            <a:ext cx="3152632" cy="646331"/>
           </a:xfrm>
           <a:prstGeom prst="rect">
             <a:avLst/>
           </a:prstGeom>
-        </p:spPr>
-      </p:pic>
-      <p:pic>
-        <p:nvPicPr>
-          <p:cNvPr id="5" name="Picture 4"/>
-          <p:cNvPicPr>
-            <a:picLocks noChangeAspect="1"/>
-          </p:cNvPicPr>
-          <p:nvPr/>
-        </p:nvPicPr>
-        <p:blipFill>
-          <a:blip r:embed="rId5"/>
-          <a:stretch>
-            <a:fillRect/>
-          </a:stretch>
-        </p:blipFill>
-        <p:spPr>
-          <a:xfrm>
-            <a:off x="6545943" y="3427694"/>
-            <a:ext cx="4572000" cy="3430306"/>
-          </a:xfrm>
-          <a:prstGeom prst="rect">
-            <a:avLst/>
-          </a:prstGeom>
-        </p:spPr>
-      </p:pic>
+          <a:noFill/>
+        </p:spPr>
+        <p:txBody>
+          <a:bodyPr wrap="square" rtlCol="0">
+            <a:spAutoFit/>
+          </a:bodyPr>
+          <a:lstStyle/>
+          <a:p>
+            <a:pPr algn="ctr"/>
+            <a:r>
+              <a:rPr lang="en-US" altLang="zh-TW" dirty="0" smtClean="0"/>
+              <a:t>Solution quality is not better with finer grid:(</a:t>
+            </a:r>
+            <a:endParaRPr lang="zh-TW" altLang="en-US" dirty="0"/>
+          </a:p>
+        </p:txBody>
+      </p:sp>
     </p:spTree>
     <p:extLst>
       <p:ext uri="{BB962C8B-B14F-4D97-AF65-F5344CB8AC3E}">
-        <p14:creationId xmlns:p14="http://schemas.microsoft.com/office/powerpoint/2010/main" val="4072812127"/>
+        <p14:creationId xmlns:p14="http://schemas.microsoft.com/office/powerpoint/2010/main" val="2687857575"/>
       </p:ext>
     </p:extLst>
   </p:cSld>
   <p:clrMapOvr>
     <a:masterClrMapping/>
   </p:clrMapOvr>
+  <p:timing>
+    <p:tnLst>
+      <p:par>
+        <p:cTn id="1" dur="indefinite" restart="never" nodeType="tmRoot"/>
+      </p:par>
+    </p:tnLst>
+  </p:timing>
 </p:sld>
 </file>
 
@@ -4554,8 +4634,80 @@
         </p:blipFill>
         <p:spPr>
           <a:xfrm>
-            <a:off x="1927224" y="0"/>
-            <a:ext cx="9140518" cy="6858000"/>
+            <a:off x="1628407" y="0"/>
+            <a:ext cx="4572000" cy="3430306"/>
+          </a:xfrm>
+          <a:prstGeom prst="rect">
+            <a:avLst/>
+          </a:prstGeom>
+        </p:spPr>
+      </p:pic>
+      <p:pic>
+        <p:nvPicPr>
+          <p:cNvPr id="3" name="Picture 2"/>
+          <p:cNvPicPr>
+            <a:picLocks noChangeAspect="1"/>
+          </p:cNvPicPr>
+          <p:nvPr/>
+        </p:nvPicPr>
+        <p:blipFill>
+          <a:blip r:embed="rId3"/>
+          <a:stretch>
+            <a:fillRect/>
+          </a:stretch>
+        </p:blipFill>
+        <p:spPr>
+          <a:xfrm>
+            <a:off x="6545943" y="0"/>
+            <a:ext cx="4572000" cy="3430306"/>
+          </a:xfrm>
+          <a:prstGeom prst="rect">
+            <a:avLst/>
+          </a:prstGeom>
+        </p:spPr>
+      </p:pic>
+      <p:pic>
+        <p:nvPicPr>
+          <p:cNvPr id="4" name="Picture 3"/>
+          <p:cNvPicPr>
+            <a:picLocks noChangeAspect="1"/>
+          </p:cNvPicPr>
+          <p:nvPr/>
+        </p:nvPicPr>
+        <p:blipFill>
+          <a:blip r:embed="rId4"/>
+          <a:stretch>
+            <a:fillRect/>
+          </a:stretch>
+        </p:blipFill>
+        <p:spPr>
+          <a:xfrm>
+            <a:off x="1628407" y="3427694"/>
+            <a:ext cx="4572000" cy="3430306"/>
+          </a:xfrm>
+          <a:prstGeom prst="rect">
+            <a:avLst/>
+          </a:prstGeom>
+        </p:spPr>
+      </p:pic>
+      <p:pic>
+        <p:nvPicPr>
+          <p:cNvPr id="5" name="Picture 4"/>
+          <p:cNvPicPr>
+            <a:picLocks noChangeAspect="1"/>
+          </p:cNvPicPr>
+          <p:nvPr/>
+        </p:nvPicPr>
+        <p:blipFill>
+          <a:blip r:embed="rId5"/>
+          <a:stretch>
+            <a:fillRect/>
+          </a:stretch>
+        </p:blipFill>
+        <p:spPr>
+          <a:xfrm>
+            <a:off x="6545943" y="3427694"/>
+            <a:ext cx="4572000" cy="3430306"/>
           </a:xfrm>
           <a:prstGeom prst="rect">
             <a:avLst/>
@@ -4565,20 +4717,13 @@
     </p:spTree>
     <p:extLst>
       <p:ext uri="{BB962C8B-B14F-4D97-AF65-F5344CB8AC3E}">
-        <p14:creationId xmlns:p14="http://schemas.microsoft.com/office/powerpoint/2010/main" val="3232639814"/>
+        <p14:creationId xmlns:p14="http://schemas.microsoft.com/office/powerpoint/2010/main" val="4072812127"/>
       </p:ext>
     </p:extLst>
   </p:cSld>
   <p:clrMapOvr>
     <a:masterClrMapping/>
   </p:clrMapOvr>
-  <p:timing>
-    <p:tnLst>
-      <p:par>
-        <p:cTn id="1" dur="indefinite" restart="never" nodeType="tmRoot"/>
-      </p:par>
-    </p:tnLst>
-  </p:timing>
 </p:sld>
 </file>
 

--- a/Presentation1.pptx
+++ b/Presentation1.pptx
@@ -255,7 +255,7 @@
           <a:p>
             <a:fld id="{D638DB22-397D-48F1-BDCF-E66CBFA46A5C}" type="datetimeFigureOut">
               <a:rPr lang="zh-TW" altLang="en-US" smtClean="0"/>
-              <a:t>2015/12/21</a:t>
+              <a:t>2015/12/22</a:t>
             </a:fld>
             <a:endParaRPr lang="zh-TW" altLang="en-US"/>
           </a:p>
@@ -425,7 +425,7 @@
           <a:p>
             <a:fld id="{D638DB22-397D-48F1-BDCF-E66CBFA46A5C}" type="datetimeFigureOut">
               <a:rPr lang="zh-TW" altLang="en-US" smtClean="0"/>
-              <a:t>2015/12/21</a:t>
+              <a:t>2015/12/22</a:t>
             </a:fld>
             <a:endParaRPr lang="zh-TW" altLang="en-US"/>
           </a:p>
@@ -605,7 +605,7 @@
           <a:p>
             <a:fld id="{D638DB22-397D-48F1-BDCF-E66CBFA46A5C}" type="datetimeFigureOut">
               <a:rPr lang="zh-TW" altLang="en-US" smtClean="0"/>
-              <a:t>2015/12/21</a:t>
+              <a:t>2015/12/22</a:t>
             </a:fld>
             <a:endParaRPr lang="zh-TW" altLang="en-US"/>
           </a:p>
@@ -775,7 +775,7 @@
           <a:p>
             <a:fld id="{D638DB22-397D-48F1-BDCF-E66CBFA46A5C}" type="datetimeFigureOut">
               <a:rPr lang="zh-TW" altLang="en-US" smtClean="0"/>
-              <a:t>2015/12/21</a:t>
+              <a:t>2015/12/22</a:t>
             </a:fld>
             <a:endParaRPr lang="zh-TW" altLang="en-US"/>
           </a:p>
@@ -1021,7 +1021,7 @@
           <a:p>
             <a:fld id="{D638DB22-397D-48F1-BDCF-E66CBFA46A5C}" type="datetimeFigureOut">
               <a:rPr lang="zh-TW" altLang="en-US" smtClean="0"/>
-              <a:t>2015/12/21</a:t>
+              <a:t>2015/12/22</a:t>
             </a:fld>
             <a:endParaRPr lang="zh-TW" altLang="en-US"/>
           </a:p>
@@ -1253,7 +1253,7 @@
           <a:p>
             <a:fld id="{D638DB22-397D-48F1-BDCF-E66CBFA46A5C}" type="datetimeFigureOut">
               <a:rPr lang="zh-TW" altLang="en-US" smtClean="0"/>
-              <a:t>2015/12/21</a:t>
+              <a:t>2015/12/22</a:t>
             </a:fld>
             <a:endParaRPr lang="zh-TW" altLang="en-US"/>
           </a:p>
@@ -1620,7 +1620,7 @@
           <a:p>
             <a:fld id="{D638DB22-397D-48F1-BDCF-E66CBFA46A5C}" type="datetimeFigureOut">
               <a:rPr lang="zh-TW" altLang="en-US" smtClean="0"/>
-              <a:t>2015/12/21</a:t>
+              <a:t>2015/12/22</a:t>
             </a:fld>
             <a:endParaRPr lang="zh-TW" altLang="en-US"/>
           </a:p>
@@ -1738,7 +1738,7 @@
           <a:p>
             <a:fld id="{D638DB22-397D-48F1-BDCF-E66CBFA46A5C}" type="datetimeFigureOut">
               <a:rPr lang="zh-TW" altLang="en-US" smtClean="0"/>
-              <a:t>2015/12/21</a:t>
+              <a:t>2015/12/22</a:t>
             </a:fld>
             <a:endParaRPr lang="zh-TW" altLang="en-US"/>
           </a:p>
@@ -1833,7 +1833,7 @@
           <a:p>
             <a:fld id="{D638DB22-397D-48F1-BDCF-E66CBFA46A5C}" type="datetimeFigureOut">
               <a:rPr lang="zh-TW" altLang="en-US" smtClean="0"/>
-              <a:t>2015/12/21</a:t>
+              <a:t>2015/12/22</a:t>
             </a:fld>
             <a:endParaRPr lang="zh-TW" altLang="en-US"/>
           </a:p>
@@ -2110,7 +2110,7 @@
           <a:p>
             <a:fld id="{D638DB22-397D-48F1-BDCF-E66CBFA46A5C}" type="datetimeFigureOut">
               <a:rPr lang="zh-TW" altLang="en-US" smtClean="0"/>
-              <a:t>2015/12/21</a:t>
+              <a:t>2015/12/22</a:t>
             </a:fld>
             <a:endParaRPr lang="zh-TW" altLang="en-US"/>
           </a:p>
@@ -2363,7 +2363,7 @@
           <a:p>
             <a:fld id="{D638DB22-397D-48F1-BDCF-E66CBFA46A5C}" type="datetimeFigureOut">
               <a:rPr lang="zh-TW" altLang="en-US" smtClean="0"/>
-              <a:t>2015/12/21</a:t>
+              <a:t>2015/12/22</a:t>
             </a:fld>
             <a:endParaRPr lang="zh-TW" altLang="en-US"/>
           </a:p>
@@ -2576,7 +2576,7 @@
           <a:p>
             <a:fld id="{D638DB22-397D-48F1-BDCF-E66CBFA46A5C}" type="datetimeFigureOut">
               <a:rPr lang="zh-TW" altLang="en-US" smtClean="0"/>
-              <a:t>2015/12/21</a:t>
+              <a:t>2015/12/22</a:t>
             </a:fld>
             <a:endParaRPr lang="zh-TW" altLang="en-US"/>
           </a:p>
@@ -3361,7 +3361,7 @@
         </p:blipFill>
         <p:spPr>
           <a:xfrm>
-            <a:off x="1928812" y="304800"/>
+            <a:off x="2119312" y="190500"/>
             <a:ext cx="8334375" cy="6248400"/>
           </a:xfrm>
           <a:prstGeom prst="rect">

--- a/Presentation1.pptx
+++ b/Presentation1.pptx
@@ -18,6 +18,7 @@
     <p:sldId id="265" r:id="rId12"/>
     <p:sldId id="267" r:id="rId13"/>
     <p:sldId id="268" r:id="rId14"/>
+    <p:sldId id="272" r:id="rId15"/>
   </p:sldIdLst>
   <p:sldSz cx="12192000" cy="6858000"/>
   <p:notesSz cx="7315200" cy="9601200"/>
@@ -3382,6 +3383,66 @@
 </p:sld>
 </file>
 
+<file path=ppt/slides/slide14.xml><?xml version="1.0" encoding="utf-8"?>
+<p:sld xmlns:a="http://schemas.openxmlformats.org/drawingml/2006/main" xmlns:r="http://schemas.openxmlformats.org/officeDocument/2006/relationships" xmlns:p="http://schemas.openxmlformats.org/presentationml/2006/main">
+  <p:cSld>
+    <p:spTree>
+      <p:nvGrpSpPr>
+        <p:cNvPr id="1" name=""/>
+        <p:cNvGrpSpPr/>
+        <p:nvPr/>
+      </p:nvGrpSpPr>
+      <p:grpSpPr>
+        <a:xfrm>
+          <a:off x="0" y="0"/>
+          <a:ext cx="0" cy="0"/>
+          <a:chOff x="0" y="0"/>
+          <a:chExt cx="0" cy="0"/>
+        </a:xfrm>
+      </p:grpSpPr>
+      <p:pic>
+        <p:nvPicPr>
+          <p:cNvPr id="6" name="Picture 5"/>
+          <p:cNvPicPr>
+            <a:picLocks noChangeAspect="1"/>
+          </p:cNvPicPr>
+          <p:nvPr/>
+        </p:nvPicPr>
+        <p:blipFill>
+          <a:blip r:embed="rId2" cstate="print">
+            <a:extLst>
+              <a:ext uri="{28A0092B-C50C-407E-A947-70E740481C1C}">
+                <a14:useLocalDpi xmlns:a14="http://schemas.microsoft.com/office/drawing/2010/main" val="0"/>
+              </a:ext>
+            </a:extLst>
+          </a:blip>
+          <a:stretch>
+            <a:fillRect/>
+          </a:stretch>
+        </p:blipFill>
+        <p:spPr>
+          <a:xfrm>
+            <a:off x="2119312" y="190500"/>
+            <a:ext cx="8339328" cy="6256879"/>
+          </a:xfrm>
+          <a:prstGeom prst="rect">
+            <a:avLst/>
+          </a:prstGeom>
+        </p:spPr>
+      </p:pic>
+    </p:spTree>
+    <p:extLst>
+      <p:ext uri="{BB962C8B-B14F-4D97-AF65-F5344CB8AC3E}">
+        <p14:creationId xmlns:p14="http://schemas.microsoft.com/office/powerpoint/2010/main" val="1330434954"/>
+      </p:ext>
+    </p:extLst>
+  </p:cSld>
+  <p:clrMapOvr>
+    <a:masterClrMapping/>
+  </p:clrMapOvr>
+</p:sld>
+</file>
+
 <file path=ppt/slides/slide2.xml><?xml version="1.0" encoding="utf-8"?>
 <p:sld xmlns:a="http://schemas.openxmlformats.org/drawingml/2006/main" xmlns:r="http://schemas.openxmlformats.org/officeDocument/2006/relationships" xmlns:p="http://schemas.openxmlformats.org/presentationml/2006/main">
   <p:cSld>

--- a/Presentation1.pptx
+++ b/Presentation1.pptx
@@ -19,6 +19,7 @@
     <p:sldId id="267" r:id="rId13"/>
     <p:sldId id="268" r:id="rId14"/>
     <p:sldId id="272" r:id="rId15"/>
+    <p:sldId id="273" r:id="rId16"/>
   </p:sldIdLst>
   <p:sldSz cx="12192000" cy="6858000"/>
   <p:notesSz cx="7315200" cy="9601200"/>
@@ -256,7 +257,7 @@
           <a:p>
             <a:fld id="{D638DB22-397D-48F1-BDCF-E66CBFA46A5C}" type="datetimeFigureOut">
               <a:rPr lang="zh-TW" altLang="en-US" smtClean="0"/>
-              <a:t>2015/12/22</a:t>
+              <a:t>2015/12/27</a:t>
             </a:fld>
             <a:endParaRPr lang="zh-TW" altLang="en-US"/>
           </a:p>
@@ -426,7 +427,7 @@
           <a:p>
             <a:fld id="{D638DB22-397D-48F1-BDCF-E66CBFA46A5C}" type="datetimeFigureOut">
               <a:rPr lang="zh-TW" altLang="en-US" smtClean="0"/>
-              <a:t>2015/12/22</a:t>
+              <a:t>2015/12/27</a:t>
             </a:fld>
             <a:endParaRPr lang="zh-TW" altLang="en-US"/>
           </a:p>
@@ -606,7 +607,7 @@
           <a:p>
             <a:fld id="{D638DB22-397D-48F1-BDCF-E66CBFA46A5C}" type="datetimeFigureOut">
               <a:rPr lang="zh-TW" altLang="en-US" smtClean="0"/>
-              <a:t>2015/12/22</a:t>
+              <a:t>2015/12/27</a:t>
             </a:fld>
             <a:endParaRPr lang="zh-TW" altLang="en-US"/>
           </a:p>
@@ -776,7 +777,7 @@
           <a:p>
             <a:fld id="{D638DB22-397D-48F1-BDCF-E66CBFA46A5C}" type="datetimeFigureOut">
               <a:rPr lang="zh-TW" altLang="en-US" smtClean="0"/>
-              <a:t>2015/12/22</a:t>
+              <a:t>2015/12/27</a:t>
             </a:fld>
             <a:endParaRPr lang="zh-TW" altLang="en-US"/>
           </a:p>
@@ -1022,7 +1023,7 @@
           <a:p>
             <a:fld id="{D638DB22-397D-48F1-BDCF-E66CBFA46A5C}" type="datetimeFigureOut">
               <a:rPr lang="zh-TW" altLang="en-US" smtClean="0"/>
-              <a:t>2015/12/22</a:t>
+              <a:t>2015/12/27</a:t>
             </a:fld>
             <a:endParaRPr lang="zh-TW" altLang="en-US"/>
           </a:p>
@@ -1254,7 +1255,7 @@
           <a:p>
             <a:fld id="{D638DB22-397D-48F1-BDCF-E66CBFA46A5C}" type="datetimeFigureOut">
               <a:rPr lang="zh-TW" altLang="en-US" smtClean="0"/>
-              <a:t>2015/12/22</a:t>
+              <a:t>2015/12/27</a:t>
             </a:fld>
             <a:endParaRPr lang="zh-TW" altLang="en-US"/>
           </a:p>
@@ -1621,7 +1622,7 @@
           <a:p>
             <a:fld id="{D638DB22-397D-48F1-BDCF-E66CBFA46A5C}" type="datetimeFigureOut">
               <a:rPr lang="zh-TW" altLang="en-US" smtClean="0"/>
-              <a:t>2015/12/22</a:t>
+              <a:t>2015/12/27</a:t>
             </a:fld>
             <a:endParaRPr lang="zh-TW" altLang="en-US"/>
           </a:p>
@@ -1739,7 +1740,7 @@
           <a:p>
             <a:fld id="{D638DB22-397D-48F1-BDCF-E66CBFA46A5C}" type="datetimeFigureOut">
               <a:rPr lang="zh-TW" altLang="en-US" smtClean="0"/>
-              <a:t>2015/12/22</a:t>
+              <a:t>2015/12/27</a:t>
             </a:fld>
             <a:endParaRPr lang="zh-TW" altLang="en-US"/>
           </a:p>
@@ -1834,7 +1835,7 @@
           <a:p>
             <a:fld id="{D638DB22-397D-48F1-BDCF-E66CBFA46A5C}" type="datetimeFigureOut">
               <a:rPr lang="zh-TW" altLang="en-US" smtClean="0"/>
-              <a:t>2015/12/22</a:t>
+              <a:t>2015/12/27</a:t>
             </a:fld>
             <a:endParaRPr lang="zh-TW" altLang="en-US"/>
           </a:p>
@@ -2111,7 +2112,7 @@
           <a:p>
             <a:fld id="{D638DB22-397D-48F1-BDCF-E66CBFA46A5C}" type="datetimeFigureOut">
               <a:rPr lang="zh-TW" altLang="en-US" smtClean="0"/>
-              <a:t>2015/12/22</a:t>
+              <a:t>2015/12/27</a:t>
             </a:fld>
             <a:endParaRPr lang="zh-TW" altLang="en-US"/>
           </a:p>
@@ -2364,7 +2365,7 @@
           <a:p>
             <a:fld id="{D638DB22-397D-48F1-BDCF-E66CBFA46A5C}" type="datetimeFigureOut">
               <a:rPr lang="zh-TW" altLang="en-US" smtClean="0"/>
-              <a:t>2015/12/22</a:t>
+              <a:t>2015/12/27</a:t>
             </a:fld>
             <a:endParaRPr lang="zh-TW" altLang="en-US"/>
           </a:p>
@@ -2577,7 +2578,7 @@
           <a:p>
             <a:fld id="{D638DB22-397D-48F1-BDCF-E66CBFA46A5C}" type="datetimeFigureOut">
               <a:rPr lang="zh-TW" altLang="en-US" smtClean="0"/>
-              <a:t>2015/12/22</a:t>
+              <a:t>2015/12/27</a:t>
             </a:fld>
             <a:endParaRPr lang="zh-TW" altLang="en-US"/>
           </a:p>
@@ -2984,7 +2985,7 @@
       </p:grpSpPr>
       <p:pic>
         <p:nvPicPr>
-          <p:cNvPr id="5" name="Picture 4"/>
+          <p:cNvPr id="3" name="Picture 2"/>
           <p:cNvPicPr>
             <a:picLocks noChangeAspect="1"/>
           </p:cNvPicPr>
@@ -2998,38 +2999,68 @@
         </p:blipFill>
         <p:spPr>
           <a:xfrm>
-            <a:off x="58056" y="1163793"/>
-            <a:ext cx="6194323" cy="4658131"/>
+            <a:off x="2701925" y="438150"/>
+            <a:ext cx="7143750" cy="5372100"/>
           </a:xfrm>
           <a:prstGeom prst="rect">
             <a:avLst/>
           </a:prstGeom>
         </p:spPr>
       </p:pic>
-      <p:pic>
-        <p:nvPicPr>
-          <p:cNvPr id="6" name="Picture 5"/>
-          <p:cNvPicPr>
-            <a:picLocks noChangeAspect="1"/>
-          </p:cNvPicPr>
+      <p:sp>
+        <p:nvSpPr>
+          <p:cNvPr id="4" name="TextBox 3"/>
+          <p:cNvSpPr txBox="1"/>
           <p:nvPr/>
-        </p:nvPicPr>
-        <p:blipFill>
-          <a:blip r:embed="rId3"/>
-          <a:stretch>
-            <a:fillRect/>
-          </a:stretch>
-        </p:blipFill>
-        <p:spPr>
-          <a:xfrm>
-            <a:off x="5934634" y="1163793"/>
-            <a:ext cx="6194323" cy="4658131"/>
+        </p:nvSpPr>
+        <p:spPr>
+          <a:xfrm>
+            <a:off x="2979695" y="6008469"/>
+            <a:ext cx="6588215" cy="646331"/>
           </a:xfrm>
           <a:prstGeom prst="rect">
             <a:avLst/>
           </a:prstGeom>
-        </p:spPr>
-      </p:pic>
+          <a:noFill/>
+        </p:spPr>
+        <p:txBody>
+          <a:bodyPr wrap="none" rtlCol="0">
+            <a:spAutoFit/>
+          </a:bodyPr>
+          <a:lstStyle/>
+          <a:p>
+            <a:pPr algn="ctr"/>
+            <a:r>
+              <a:rPr lang="en-US" altLang="zh-TW" dirty="0" smtClean="0"/>
+              <a:t>(U.S. coal plants’ heat rate: 9000-11000 Btu/kWh)</a:t>
+            </a:r>
+          </a:p>
+          <a:p>
+            <a:pPr algn="ctr"/>
+            <a:r>
+              <a:rPr lang="en-US" altLang="zh-TW" dirty="0" smtClean="0"/>
+              <a:t>(Heat content of coal in China: 5500 kcal/kg = 21.824 </a:t>
+            </a:r>
+            <a:r>
+              <a:rPr lang="en-US" altLang="zh-TW" dirty="0" err="1" smtClean="0"/>
+              <a:t>mmBtu</a:t>
+            </a:r>
+            <a:r>
+              <a:rPr lang="en-US" altLang="zh-TW" dirty="0" smtClean="0"/>
+              <a:t>/</a:t>
+            </a:r>
+            <a:r>
+              <a:rPr lang="en-US" altLang="zh-TW" dirty="0" err="1" smtClean="0"/>
+              <a:t>tonne</a:t>
+            </a:r>
+            <a:r>
+              <a:rPr lang="en-US" altLang="zh-TW" dirty="0" smtClean="0"/>
+              <a:t>)</a:t>
+            </a:r>
+            <a:endParaRPr lang="zh-TW" altLang="en-US" dirty="0"/>
+          </a:p>
+        </p:txBody>
+      </p:sp>
     </p:spTree>
     <p:extLst>
       <p:ext uri="{BB962C8B-B14F-4D97-AF65-F5344CB8AC3E}">
@@ -3440,6 +3471,122 @@
   <p:clrMapOvr>
     <a:masterClrMapping/>
   </p:clrMapOvr>
+  <p:timing>
+    <p:tnLst>
+      <p:par>
+        <p:cTn id="1" dur="indefinite" restart="never" nodeType="tmRoot"/>
+      </p:par>
+    </p:tnLst>
+  </p:timing>
+</p:sld>
+</file>
+
+<file path=ppt/slides/slide15.xml><?xml version="1.0" encoding="utf-8"?>
+<p:sld xmlns:a="http://schemas.openxmlformats.org/drawingml/2006/main" xmlns:r="http://schemas.openxmlformats.org/officeDocument/2006/relationships" xmlns:p="http://schemas.openxmlformats.org/presentationml/2006/main">
+  <p:cSld>
+    <p:spTree>
+      <p:nvGrpSpPr>
+        <p:cNvPr id="1" name=""/>
+        <p:cNvGrpSpPr/>
+        <p:nvPr/>
+      </p:nvGrpSpPr>
+      <p:grpSpPr>
+        <a:xfrm>
+          <a:off x="0" y="0"/>
+          <a:ext cx="0" cy="0"/>
+          <a:chOff x="0" y="0"/>
+          <a:chExt cx="0" cy="0"/>
+        </a:xfrm>
+      </p:grpSpPr>
+      <p:pic>
+        <p:nvPicPr>
+          <p:cNvPr id="4" name="Picture 3"/>
+          <p:cNvPicPr>
+            <a:picLocks noChangeAspect="1"/>
+          </p:cNvPicPr>
+          <p:nvPr/>
+        </p:nvPicPr>
+        <p:blipFill>
+          <a:blip r:embed="rId2"/>
+          <a:stretch>
+            <a:fillRect/>
+          </a:stretch>
+        </p:blipFill>
+        <p:spPr>
+          <a:xfrm>
+            <a:off x="0" y="-19899"/>
+            <a:ext cx="5943600" cy="4456002"/>
+          </a:xfrm>
+          <a:prstGeom prst="rect">
+            <a:avLst/>
+          </a:prstGeom>
+        </p:spPr>
+      </p:pic>
+      <p:pic>
+        <p:nvPicPr>
+          <p:cNvPr id="5" name="Picture 4"/>
+          <p:cNvPicPr>
+            <a:picLocks noChangeAspect="1"/>
+          </p:cNvPicPr>
+          <p:nvPr/>
+        </p:nvPicPr>
+        <p:blipFill>
+          <a:blip r:embed="rId3"/>
+          <a:stretch>
+            <a:fillRect/>
+          </a:stretch>
+        </p:blipFill>
+        <p:spPr>
+          <a:xfrm>
+            <a:off x="12192000" y="0"/>
+            <a:ext cx="5943600" cy="4456002"/>
+          </a:xfrm>
+          <a:prstGeom prst="rect">
+            <a:avLst/>
+          </a:prstGeom>
+        </p:spPr>
+      </p:pic>
+      <p:pic>
+        <p:nvPicPr>
+          <p:cNvPr id="7" name="Picture 6"/>
+          <p:cNvPicPr>
+            <a:picLocks noChangeAspect="1"/>
+          </p:cNvPicPr>
+          <p:nvPr/>
+        </p:nvPicPr>
+        <p:blipFill>
+          <a:blip r:embed="rId4"/>
+          <a:stretch>
+            <a:fillRect/>
+          </a:stretch>
+        </p:blipFill>
+        <p:spPr>
+          <a:xfrm>
+            <a:off x="6248400" y="-19899"/>
+            <a:ext cx="5943600" cy="4456002"/>
+          </a:xfrm>
+          <a:prstGeom prst="rect">
+            <a:avLst/>
+          </a:prstGeom>
+        </p:spPr>
+      </p:pic>
+    </p:spTree>
+    <p:extLst>
+      <p:ext uri="{BB962C8B-B14F-4D97-AF65-F5344CB8AC3E}">
+        <p14:creationId xmlns:p14="http://schemas.microsoft.com/office/powerpoint/2010/main" val="3540335239"/>
+      </p:ext>
+    </p:extLst>
+  </p:cSld>
+  <p:clrMapOvr>
+    <a:masterClrMapping/>
+  </p:clrMapOvr>
+  <p:timing>
+    <p:tnLst>
+      <p:par>
+        <p:cTn id="1" dur="indefinite" restart="never" nodeType="tmRoot"/>
+      </p:par>
+    </p:tnLst>
+  </p:timing>
 </p:sld>
 </file>
 
@@ -3460,34 +3607,9 @@
           <a:chExt cx="0" cy="0"/>
         </a:xfrm>
       </p:grpSpPr>
-      <p:sp>
-        <p:nvSpPr>
-          <p:cNvPr id="4" name="Title 3"/>
-          <p:cNvSpPr>
-            <a:spLocks noGrp="1"/>
-          </p:cNvSpPr>
-          <p:nvPr>
-            <p:ph type="title"/>
-          </p:nvPr>
-        </p:nvSpPr>
-        <p:spPr/>
-        <p:txBody>
-          <a:bodyPr>
-            <a:normAutofit/>
-          </a:bodyPr>
-          <a:lstStyle/>
-          <a:p>
-            <a:r>
-              <a:rPr lang="en-US" altLang="zh-TW" dirty="0" smtClean="0"/>
-              <a:t>Supercritical air cooling</a:t>
-            </a:r>
-            <a:endParaRPr lang="zh-TW" altLang="en-US" dirty="0"/>
-          </a:p>
-        </p:txBody>
-      </p:sp>
       <p:pic>
         <p:nvPicPr>
-          <p:cNvPr id="8" name="Picture 7"/>
+          <p:cNvPr id="2" name="Picture 1"/>
           <p:cNvPicPr>
             <a:picLocks noChangeAspect="1"/>
           </p:cNvPicPr>
@@ -3501,14 +3623,39 @@
         </p:blipFill>
         <p:spPr>
           <a:xfrm>
-            <a:off x="0" y="1195744"/>
-            <a:ext cx="6227199" cy="4682853"/>
+            <a:off x="0" y="1321954"/>
+            <a:ext cx="5943600" cy="4469587"/>
           </a:xfrm>
           <a:prstGeom prst="rect">
             <a:avLst/>
           </a:prstGeom>
         </p:spPr>
       </p:pic>
+      <p:sp>
+        <p:nvSpPr>
+          <p:cNvPr id="4" name="Title 3"/>
+          <p:cNvSpPr>
+            <a:spLocks noGrp="1"/>
+          </p:cNvSpPr>
+          <p:nvPr>
+            <p:ph type="title"/>
+          </p:nvPr>
+        </p:nvSpPr>
+        <p:spPr/>
+        <p:txBody>
+          <a:bodyPr>
+            <a:normAutofit/>
+          </a:bodyPr>
+          <a:lstStyle/>
+          <a:p>
+            <a:r>
+              <a:rPr lang="en-US" altLang="zh-TW" dirty="0" smtClean="0"/>
+              <a:t>Supercritical air cooling</a:t>
+            </a:r>
+            <a:endParaRPr lang="zh-TW" altLang="en-US" dirty="0"/>
+          </a:p>
+        </p:txBody>
+      </p:sp>
       <p:pic>
         <p:nvPicPr>
           <p:cNvPr id="9" name="Picture 8"/>
@@ -3525,8 +3672,8 @@
         </p:blipFill>
         <p:spPr>
           <a:xfrm>
-            <a:off x="5960578" y="1179868"/>
-            <a:ext cx="6231422" cy="4686029"/>
+            <a:off x="6096000" y="1321955"/>
+            <a:ext cx="5943600" cy="4469587"/>
           </a:xfrm>
           <a:prstGeom prst="rect">
             <a:avLst/>
@@ -3773,7 +3920,7 @@
         </p:blipFill>
         <p:spPr>
           <a:xfrm>
-            <a:off x="0" y="1052511"/>
+            <a:off x="6019800" y="872036"/>
             <a:ext cx="6172200" cy="4630914"/>
           </a:xfrm>
           <a:prstGeom prst="rect">
@@ -3797,7 +3944,7 @@
         </p:blipFill>
         <p:spPr>
           <a:xfrm>
-            <a:off x="6019800" y="1052511"/>
+            <a:off x="0" y="872037"/>
             <a:ext cx="6172200" cy="4630913"/>
           </a:xfrm>
           <a:prstGeom prst="rect">

--- a/Presentation1.pptx
+++ b/Presentation1.pptx
@@ -3500,7 +3500,7 @@
       </p:grpSpPr>
       <p:pic>
         <p:nvPicPr>
-          <p:cNvPr id="4" name="Picture 3"/>
+          <p:cNvPr id="9" name="Picture 8"/>
           <p:cNvPicPr>
             <a:picLocks noChangeAspect="1"/>
           </p:cNvPicPr>
@@ -3514,7 +3514,7 @@
         </p:blipFill>
         <p:spPr>
           <a:xfrm>
-            <a:off x="0" y="-19899"/>
+            <a:off x="203200" y="1016000"/>
             <a:ext cx="5943600" cy="4456002"/>
           </a:xfrm>
           <a:prstGeom prst="rect">
@@ -3524,7 +3524,7 @@
       </p:pic>
       <p:pic>
         <p:nvPicPr>
-          <p:cNvPr id="5" name="Picture 4"/>
+          <p:cNvPr id="11" name="Picture 10"/>
           <p:cNvPicPr>
             <a:picLocks noChangeAspect="1"/>
           </p:cNvPicPr>
@@ -3538,31 +3538,7 @@
         </p:blipFill>
         <p:spPr>
           <a:xfrm>
-            <a:off x="12192000" y="0"/>
-            <a:ext cx="5943600" cy="4456002"/>
-          </a:xfrm>
-          <a:prstGeom prst="rect">
-            <a:avLst/>
-          </a:prstGeom>
-        </p:spPr>
-      </p:pic>
-      <p:pic>
-        <p:nvPicPr>
-          <p:cNvPr id="7" name="Picture 6"/>
-          <p:cNvPicPr>
-            <a:picLocks noChangeAspect="1"/>
-          </p:cNvPicPr>
-          <p:nvPr/>
-        </p:nvPicPr>
-        <p:blipFill>
-          <a:blip r:embed="rId4"/>
-          <a:stretch>
-            <a:fillRect/>
-          </a:stretch>
-        </p:blipFill>
-        <p:spPr>
-          <a:xfrm>
-            <a:off x="6248400" y="-19899"/>
+            <a:off x="6146800" y="1016000"/>
             <a:ext cx="5943600" cy="4456002"/>
           </a:xfrm>
           <a:prstGeom prst="rect">

--- a/Presentation1.pptx
+++ b/Presentation1.pptx
@@ -20,6 +20,9 @@
     <p:sldId id="268" r:id="rId14"/>
     <p:sldId id="272" r:id="rId15"/>
     <p:sldId id="273" r:id="rId16"/>
+    <p:sldId id="274" r:id="rId17"/>
+    <p:sldId id="275" r:id="rId18"/>
+    <p:sldId id="276" r:id="rId19"/>
   </p:sldIdLst>
   <p:sldSz cx="12192000" cy="6858000"/>
   <p:notesSz cx="7315200" cy="9601200"/>
@@ -3566,6 +3569,312 @@
 </p:sld>
 </file>
 
+<file path=ppt/slides/slide16.xml><?xml version="1.0" encoding="utf-8"?>
+<p:sld xmlns:a="http://schemas.openxmlformats.org/drawingml/2006/main" xmlns:r="http://schemas.openxmlformats.org/officeDocument/2006/relationships" xmlns:p="http://schemas.openxmlformats.org/presentationml/2006/main">
+  <p:cSld>
+    <p:spTree>
+      <p:nvGrpSpPr>
+        <p:cNvPr id="1" name=""/>
+        <p:cNvGrpSpPr/>
+        <p:nvPr/>
+      </p:nvGrpSpPr>
+      <p:grpSpPr>
+        <a:xfrm>
+          <a:off x="0" y="0"/>
+          <a:ext cx="0" cy="0"/>
+          <a:chOff x="0" y="0"/>
+          <a:chExt cx="0" cy="0"/>
+        </a:xfrm>
+      </p:grpSpPr>
+      <p:pic>
+        <p:nvPicPr>
+          <p:cNvPr id="3" name="Picture 2"/>
+          <p:cNvPicPr>
+            <a:picLocks noChangeAspect="1"/>
+          </p:cNvPicPr>
+          <p:nvPr/>
+        </p:nvPicPr>
+        <p:blipFill>
+          <a:blip r:embed="rId2"/>
+          <a:stretch>
+            <a:fillRect/>
+          </a:stretch>
+        </p:blipFill>
+        <p:spPr>
+          <a:xfrm>
+            <a:off x="6464300" y="0"/>
+            <a:ext cx="4572000" cy="3427694"/>
+          </a:xfrm>
+          <a:prstGeom prst="rect">
+            <a:avLst/>
+          </a:prstGeom>
+        </p:spPr>
+      </p:pic>
+      <p:pic>
+        <p:nvPicPr>
+          <p:cNvPr id="5" name="Picture 4"/>
+          <p:cNvPicPr>
+            <a:picLocks noChangeAspect="1"/>
+          </p:cNvPicPr>
+          <p:nvPr/>
+        </p:nvPicPr>
+        <p:blipFill>
+          <a:blip r:embed="rId3"/>
+          <a:stretch>
+            <a:fillRect/>
+          </a:stretch>
+        </p:blipFill>
+        <p:spPr>
+          <a:xfrm>
+            <a:off x="6464300" y="3427694"/>
+            <a:ext cx="4572000" cy="3427694"/>
+          </a:xfrm>
+          <a:prstGeom prst="rect">
+            <a:avLst/>
+          </a:prstGeom>
+        </p:spPr>
+      </p:pic>
+      <p:pic>
+        <p:nvPicPr>
+          <p:cNvPr id="7" name="Picture 6"/>
+          <p:cNvPicPr>
+            <a:picLocks noChangeAspect="1"/>
+          </p:cNvPicPr>
+          <p:nvPr/>
+        </p:nvPicPr>
+        <p:blipFill>
+          <a:blip r:embed="rId4"/>
+          <a:stretch>
+            <a:fillRect/>
+          </a:stretch>
+        </p:blipFill>
+        <p:spPr>
+          <a:xfrm>
+            <a:off x="1892300" y="0"/>
+            <a:ext cx="4572000" cy="3427694"/>
+          </a:xfrm>
+          <a:prstGeom prst="rect">
+            <a:avLst/>
+          </a:prstGeom>
+        </p:spPr>
+      </p:pic>
+    </p:spTree>
+    <p:extLst>
+      <p:ext uri="{BB962C8B-B14F-4D97-AF65-F5344CB8AC3E}">
+        <p14:creationId xmlns:p14="http://schemas.microsoft.com/office/powerpoint/2010/main" val="3640966160"/>
+      </p:ext>
+    </p:extLst>
+  </p:cSld>
+  <p:clrMapOvr>
+    <a:masterClrMapping/>
+  </p:clrMapOvr>
+</p:sld>
+</file>
+
+<file path=ppt/slides/slide17.xml><?xml version="1.0" encoding="utf-8"?>
+<p:sld xmlns:a="http://schemas.openxmlformats.org/drawingml/2006/main" xmlns:r="http://schemas.openxmlformats.org/officeDocument/2006/relationships" xmlns:p="http://schemas.openxmlformats.org/presentationml/2006/main">
+  <p:cSld>
+    <p:spTree>
+      <p:nvGrpSpPr>
+        <p:cNvPr id="1" name=""/>
+        <p:cNvGrpSpPr/>
+        <p:nvPr/>
+      </p:nvGrpSpPr>
+      <p:grpSpPr>
+        <a:xfrm>
+          <a:off x="0" y="0"/>
+          <a:ext cx="0" cy="0"/>
+          <a:chOff x="0" y="0"/>
+          <a:chExt cx="0" cy="0"/>
+        </a:xfrm>
+      </p:grpSpPr>
+      <p:pic>
+        <p:nvPicPr>
+          <p:cNvPr id="3" name="Picture 2"/>
+          <p:cNvPicPr>
+            <a:picLocks noChangeAspect="1"/>
+          </p:cNvPicPr>
+          <p:nvPr/>
+        </p:nvPicPr>
+        <p:blipFill>
+          <a:blip r:embed="rId2"/>
+          <a:stretch>
+            <a:fillRect/>
+          </a:stretch>
+        </p:blipFill>
+        <p:spPr>
+          <a:xfrm>
+            <a:off x="1892300" y="0"/>
+            <a:ext cx="4572000" cy="3427694"/>
+          </a:xfrm>
+          <a:prstGeom prst="rect">
+            <a:avLst/>
+          </a:prstGeom>
+        </p:spPr>
+      </p:pic>
+      <p:pic>
+        <p:nvPicPr>
+          <p:cNvPr id="4" name="Picture 3"/>
+          <p:cNvPicPr>
+            <a:picLocks noChangeAspect="1"/>
+          </p:cNvPicPr>
+          <p:nvPr/>
+        </p:nvPicPr>
+        <p:blipFill>
+          <a:blip r:embed="rId3"/>
+          <a:stretch>
+            <a:fillRect/>
+          </a:stretch>
+        </p:blipFill>
+        <p:spPr>
+          <a:xfrm>
+            <a:off x="6464300" y="0"/>
+            <a:ext cx="4572000" cy="3427694"/>
+          </a:xfrm>
+          <a:prstGeom prst="rect">
+            <a:avLst/>
+          </a:prstGeom>
+        </p:spPr>
+      </p:pic>
+      <p:pic>
+        <p:nvPicPr>
+          <p:cNvPr id="5" name="Picture 4"/>
+          <p:cNvPicPr>
+            <a:picLocks noChangeAspect="1"/>
+          </p:cNvPicPr>
+          <p:nvPr/>
+        </p:nvPicPr>
+        <p:blipFill>
+          <a:blip r:embed="rId4"/>
+          <a:stretch>
+            <a:fillRect/>
+          </a:stretch>
+        </p:blipFill>
+        <p:spPr>
+          <a:xfrm>
+            <a:off x="6464300" y="3427694"/>
+            <a:ext cx="4572000" cy="3427694"/>
+          </a:xfrm>
+          <a:prstGeom prst="rect">
+            <a:avLst/>
+          </a:prstGeom>
+        </p:spPr>
+      </p:pic>
+    </p:spTree>
+    <p:extLst>
+      <p:ext uri="{BB962C8B-B14F-4D97-AF65-F5344CB8AC3E}">
+        <p14:creationId xmlns:p14="http://schemas.microsoft.com/office/powerpoint/2010/main" val="1164554912"/>
+      </p:ext>
+    </p:extLst>
+  </p:cSld>
+  <p:clrMapOvr>
+    <a:masterClrMapping/>
+  </p:clrMapOvr>
+</p:sld>
+</file>
+
+<file path=ppt/slides/slide18.xml><?xml version="1.0" encoding="utf-8"?>
+<p:sld xmlns:a="http://schemas.openxmlformats.org/drawingml/2006/main" xmlns:r="http://schemas.openxmlformats.org/officeDocument/2006/relationships" xmlns:p="http://schemas.openxmlformats.org/presentationml/2006/main">
+  <p:cSld>
+    <p:spTree>
+      <p:nvGrpSpPr>
+        <p:cNvPr id="1" name=""/>
+        <p:cNvGrpSpPr/>
+        <p:nvPr/>
+      </p:nvGrpSpPr>
+      <p:grpSpPr>
+        <a:xfrm>
+          <a:off x="0" y="0"/>
+          <a:ext cx="0" cy="0"/>
+          <a:chOff x="0" y="0"/>
+          <a:chExt cx="0" cy="0"/>
+        </a:xfrm>
+      </p:grpSpPr>
+      <p:pic>
+        <p:nvPicPr>
+          <p:cNvPr id="2" name="Picture 1"/>
+          <p:cNvPicPr>
+            <a:picLocks noChangeAspect="1"/>
+          </p:cNvPicPr>
+          <p:nvPr/>
+        </p:nvPicPr>
+        <p:blipFill>
+          <a:blip r:embed="rId2"/>
+          <a:stretch>
+            <a:fillRect/>
+          </a:stretch>
+        </p:blipFill>
+        <p:spPr>
+          <a:xfrm>
+            <a:off x="1892300" y="0"/>
+            <a:ext cx="4572000" cy="3427694"/>
+          </a:xfrm>
+          <a:prstGeom prst="rect">
+            <a:avLst/>
+          </a:prstGeom>
+        </p:spPr>
+      </p:pic>
+      <p:pic>
+        <p:nvPicPr>
+          <p:cNvPr id="4" name="Picture 3"/>
+          <p:cNvPicPr>
+            <a:picLocks noChangeAspect="1"/>
+          </p:cNvPicPr>
+          <p:nvPr/>
+        </p:nvPicPr>
+        <p:blipFill>
+          <a:blip r:embed="rId3"/>
+          <a:stretch>
+            <a:fillRect/>
+          </a:stretch>
+        </p:blipFill>
+        <p:spPr>
+          <a:xfrm>
+            <a:off x="6357257" y="3427694"/>
+            <a:ext cx="4572000" cy="3427694"/>
+          </a:xfrm>
+          <a:prstGeom prst="rect">
+            <a:avLst/>
+          </a:prstGeom>
+        </p:spPr>
+      </p:pic>
+      <p:pic>
+        <p:nvPicPr>
+          <p:cNvPr id="5" name="Picture 4"/>
+          <p:cNvPicPr>
+            <a:picLocks noChangeAspect="1"/>
+          </p:cNvPicPr>
+          <p:nvPr/>
+        </p:nvPicPr>
+        <p:blipFill>
+          <a:blip r:embed="rId4"/>
+          <a:stretch>
+            <a:fillRect/>
+          </a:stretch>
+        </p:blipFill>
+        <p:spPr>
+          <a:xfrm>
+            <a:off x="6357257" y="0"/>
+            <a:ext cx="4572000" cy="3427694"/>
+          </a:xfrm>
+          <a:prstGeom prst="rect">
+            <a:avLst/>
+          </a:prstGeom>
+        </p:spPr>
+      </p:pic>
+    </p:spTree>
+    <p:extLst>
+      <p:ext uri="{BB962C8B-B14F-4D97-AF65-F5344CB8AC3E}">
+        <p14:creationId xmlns:p14="http://schemas.microsoft.com/office/powerpoint/2010/main" val="3263187595"/>
+      </p:ext>
+    </p:extLst>
+  </p:cSld>
+  <p:clrMapOvr>
+    <a:masterClrMapping/>
+  </p:clrMapOvr>
+</p:sld>
+</file>
+
 <file path=ppt/slides/slide2.xml><?xml version="1.0" encoding="utf-8"?>
 <p:sld xmlns:a="http://schemas.openxmlformats.org/drawingml/2006/main" xmlns:r="http://schemas.openxmlformats.org/officeDocument/2006/relationships" xmlns:p="http://schemas.openxmlformats.org/presentationml/2006/main">
   <p:cSld>
